--- a/Presentation.pptx
+++ b/Presentation.pptx
@@ -121,6 +121,11 @@
       </a:defRPr>
     </a:lvl9pPr>
   </p:defaultTextStyle>
+  <p:extLst>
+    <p:ext uri="{EFAFB233-063F-42B5-8137-9DF3F51BA10A}">
+      <p15:sldGuideLst xmlns:p15="http://schemas.microsoft.com/office/powerpoint/2012/main"/>
+    </p:ext>
+  </p:extLst>
 </p:presentation>
 </file>
 
@@ -520,7 +525,7 @@
           <a:p>
             <a:r>
               <a:rPr lang="en-US" dirty="0"/>
-              <a:t>Prone to injury due to high contact, a more luck-based sport</a:t>
+              <a:t>My name is Trevor Lee and this is my project presentation for comparing Neural Networks for NHL Performance Forecasting</a:t>
             </a:r>
             <a:endParaRPr lang="en-CA" dirty="0"/>
           </a:p>
@@ -543,7 +548,7 @@
           <a:p>
             <a:fld id="{40A1FB8F-8741-45C7-94DA-62ADC1FBED6E}" type="slidenum">
               <a:rPr lang="en-CA" smtClean="0"/>
-              <a:t>2</a:t>
+              <a:t>1</a:t>
             </a:fld>
             <a:endParaRPr lang="en-CA"/>
           </a:p>
@@ -552,7 +557,597 @@
     </p:spTree>
     <p:extLst>
       <p:ext uri="{BB962C8B-B14F-4D97-AF65-F5344CB8AC3E}">
-        <p14:creationId xmlns:p14="http://schemas.microsoft.com/office/powerpoint/2010/main" val="2317204394"/>
+        <p14:creationId xmlns:p14="http://schemas.microsoft.com/office/powerpoint/2010/main" val="3016141636"/>
+      </p:ext>
+    </p:extLst>
+  </p:cSld>
+  <p:clrMapOvr>
+    <a:masterClrMapping/>
+  </p:clrMapOvr>
+</p:notes>
+</file>
+
+<file path=ppt/notesSlides/notesSlide10.xml><?xml version="1.0" encoding="utf-8"?>
+<p:notes xmlns:a="http://schemas.openxmlformats.org/drawingml/2006/main" xmlns:r="http://schemas.openxmlformats.org/officeDocument/2006/relationships" xmlns:p="http://schemas.openxmlformats.org/presentationml/2006/main">
+  <p:cSld>
+    <p:spTree>
+      <p:nvGrpSpPr>
+        <p:cNvPr id="1" name=""/>
+        <p:cNvGrpSpPr/>
+        <p:nvPr/>
+      </p:nvGrpSpPr>
+      <p:grpSpPr>
+        <a:xfrm>
+          <a:off x="0" y="0"/>
+          <a:ext cx="0" cy="0"/>
+          <a:chOff x="0" y="0"/>
+          <a:chExt cx="0" cy="0"/>
+        </a:xfrm>
+      </p:grpSpPr>
+      <p:sp>
+        <p:nvSpPr>
+          <p:cNvPr id="2" name="Slide Image Placeholder 1"/>
+          <p:cNvSpPr>
+            <a:spLocks noGrp="1" noRot="1" noChangeAspect="1"/>
+          </p:cNvSpPr>
+          <p:nvPr>
+            <p:ph type="sldImg"/>
+          </p:nvPr>
+        </p:nvSpPr>
+        <p:spPr/>
+      </p:sp>
+      <p:sp>
+        <p:nvSpPr>
+          <p:cNvPr id="3" name="Notes Placeholder 2"/>
+          <p:cNvSpPr>
+            <a:spLocks noGrp="1"/>
+          </p:cNvSpPr>
+          <p:nvPr>
+            <p:ph type="body" idx="1"/>
+          </p:nvPr>
+        </p:nvSpPr>
+        <p:spPr/>
+        <p:txBody>
+          <a:bodyPr/>
+          <a:lstStyle/>
+          <a:p>
+            <a:r>
+              <a:rPr lang="en-US" dirty="0"/>
+              <a:t>Eller was an example of a depth player.</a:t>
+            </a:r>
+          </a:p>
+          <a:p>
+            <a:endParaRPr lang="en-US" dirty="0"/>
+          </a:p>
+          <a:p>
+            <a:r>
+              <a:rPr lang="en-US" dirty="0"/>
+              <a:t>The goal prediction was bad again and his games played prediction was poor too for a player who is historically durable.</a:t>
+            </a:r>
+            <a:endParaRPr lang="en-CA" dirty="0"/>
+          </a:p>
+        </p:txBody>
+      </p:sp>
+      <p:sp>
+        <p:nvSpPr>
+          <p:cNvPr id="4" name="Slide Number Placeholder 3"/>
+          <p:cNvSpPr>
+            <a:spLocks noGrp="1"/>
+          </p:cNvSpPr>
+          <p:nvPr>
+            <p:ph type="sldNum" sz="quarter" idx="5"/>
+          </p:nvPr>
+        </p:nvSpPr>
+        <p:spPr/>
+        <p:txBody>
+          <a:bodyPr/>
+          <a:lstStyle/>
+          <a:p>
+            <a:fld id="{40A1FB8F-8741-45C7-94DA-62ADC1FBED6E}" type="slidenum">
+              <a:rPr lang="en-CA" smtClean="0"/>
+              <a:t>10</a:t>
+            </a:fld>
+            <a:endParaRPr lang="en-CA"/>
+          </a:p>
+        </p:txBody>
+      </p:sp>
+    </p:spTree>
+    <p:extLst>
+      <p:ext uri="{BB962C8B-B14F-4D97-AF65-F5344CB8AC3E}">
+        <p14:creationId xmlns:p14="http://schemas.microsoft.com/office/powerpoint/2010/main" val="842653501"/>
+      </p:ext>
+    </p:extLst>
+  </p:cSld>
+  <p:clrMapOvr>
+    <a:masterClrMapping/>
+  </p:clrMapOvr>
+</p:notes>
+</file>
+
+<file path=ppt/notesSlides/notesSlide11.xml><?xml version="1.0" encoding="utf-8"?>
+<p:notes xmlns:a="http://schemas.openxmlformats.org/drawingml/2006/main" xmlns:r="http://schemas.openxmlformats.org/officeDocument/2006/relationships" xmlns:p="http://schemas.openxmlformats.org/presentationml/2006/main">
+  <p:cSld>
+    <p:spTree>
+      <p:nvGrpSpPr>
+        <p:cNvPr id="1" name=""/>
+        <p:cNvGrpSpPr/>
+        <p:nvPr/>
+      </p:nvGrpSpPr>
+      <p:grpSpPr>
+        <a:xfrm>
+          <a:off x="0" y="0"/>
+          <a:ext cx="0" cy="0"/>
+          <a:chOff x="0" y="0"/>
+          <a:chExt cx="0" cy="0"/>
+        </a:xfrm>
+      </p:grpSpPr>
+      <p:sp>
+        <p:nvSpPr>
+          <p:cNvPr id="2" name="Slide Image Placeholder 1"/>
+          <p:cNvSpPr>
+            <a:spLocks noGrp="1" noRot="1" noChangeAspect="1"/>
+          </p:cNvSpPr>
+          <p:nvPr>
+            <p:ph type="sldImg"/>
+          </p:nvPr>
+        </p:nvSpPr>
+        <p:spPr/>
+      </p:sp>
+      <p:sp>
+        <p:nvSpPr>
+          <p:cNvPr id="3" name="Notes Placeholder 2"/>
+          <p:cNvSpPr>
+            <a:spLocks noGrp="1"/>
+          </p:cNvSpPr>
+          <p:nvPr>
+            <p:ph type="body" idx="1"/>
+          </p:nvPr>
+        </p:nvSpPr>
+        <p:spPr/>
+        <p:txBody>
+          <a:bodyPr/>
+          <a:lstStyle/>
+          <a:p>
+            <a:r>
+              <a:rPr lang="en-US" dirty="0"/>
+              <a:t>Hughes is an example of an emerging star who also had an injury history.</a:t>
+            </a:r>
+          </a:p>
+          <a:p>
+            <a:endParaRPr lang="en-US" dirty="0"/>
+          </a:p>
+          <a:p>
+            <a:r>
+              <a:rPr lang="en-US" dirty="0"/>
+              <a:t>The larger numbers make the predictions look more accurate for the opposite reason compared to Keith, giving larger denominators.</a:t>
+            </a:r>
+            <a:endParaRPr lang="en-CA" dirty="0"/>
+          </a:p>
+        </p:txBody>
+      </p:sp>
+      <p:sp>
+        <p:nvSpPr>
+          <p:cNvPr id="4" name="Slide Number Placeholder 3"/>
+          <p:cNvSpPr>
+            <a:spLocks noGrp="1"/>
+          </p:cNvSpPr>
+          <p:nvPr>
+            <p:ph type="sldNum" sz="quarter" idx="5"/>
+          </p:nvPr>
+        </p:nvSpPr>
+        <p:spPr/>
+        <p:txBody>
+          <a:bodyPr/>
+          <a:lstStyle/>
+          <a:p>
+            <a:fld id="{40A1FB8F-8741-45C7-94DA-62ADC1FBED6E}" type="slidenum">
+              <a:rPr lang="en-CA" smtClean="0"/>
+              <a:t>11</a:t>
+            </a:fld>
+            <a:endParaRPr lang="en-CA"/>
+          </a:p>
+        </p:txBody>
+      </p:sp>
+    </p:spTree>
+    <p:extLst>
+      <p:ext uri="{BB962C8B-B14F-4D97-AF65-F5344CB8AC3E}">
+        <p14:creationId xmlns:p14="http://schemas.microsoft.com/office/powerpoint/2010/main" val="1181096175"/>
+      </p:ext>
+    </p:extLst>
+  </p:cSld>
+  <p:clrMapOvr>
+    <a:masterClrMapping/>
+  </p:clrMapOvr>
+</p:notes>
+</file>
+
+<file path=ppt/notesSlides/notesSlide12.xml><?xml version="1.0" encoding="utf-8"?>
+<p:notes xmlns:a="http://schemas.openxmlformats.org/drawingml/2006/main" xmlns:r="http://schemas.openxmlformats.org/officeDocument/2006/relationships" xmlns:p="http://schemas.openxmlformats.org/presentationml/2006/main">
+  <p:cSld>
+    <p:spTree>
+      <p:nvGrpSpPr>
+        <p:cNvPr id="1" name=""/>
+        <p:cNvGrpSpPr/>
+        <p:nvPr/>
+      </p:nvGrpSpPr>
+      <p:grpSpPr>
+        <a:xfrm>
+          <a:off x="0" y="0"/>
+          <a:ext cx="0" cy="0"/>
+          <a:chOff x="0" y="0"/>
+          <a:chExt cx="0" cy="0"/>
+        </a:xfrm>
+      </p:grpSpPr>
+      <p:sp>
+        <p:nvSpPr>
+          <p:cNvPr id="2" name="Slide Image Placeholder 1"/>
+          <p:cNvSpPr>
+            <a:spLocks noGrp="1" noRot="1" noChangeAspect="1"/>
+          </p:cNvSpPr>
+          <p:nvPr>
+            <p:ph type="sldImg"/>
+          </p:nvPr>
+        </p:nvSpPr>
+        <p:spPr/>
+      </p:sp>
+      <p:sp>
+        <p:nvSpPr>
+          <p:cNvPr id="3" name="Notes Placeholder 2"/>
+          <p:cNvSpPr>
+            <a:spLocks noGrp="1"/>
+          </p:cNvSpPr>
+          <p:nvPr>
+            <p:ph type="body" idx="1"/>
+          </p:nvPr>
+        </p:nvSpPr>
+        <p:spPr/>
+        <p:txBody>
+          <a:bodyPr/>
+          <a:lstStyle/>
+          <a:p>
+            <a:r>
+              <a:rPr lang="en-US" dirty="0"/>
+              <a:t>McCann is an example of a player who had a high shooting percentage.</a:t>
+            </a:r>
+          </a:p>
+          <a:p>
+            <a:endParaRPr lang="en-US" dirty="0"/>
+          </a:p>
+          <a:p>
+            <a:r>
+              <a:rPr lang="en-US" dirty="0"/>
+              <a:t>The goals look off but in actuality, the model predicted close to his career norm of 13% and he had a down year shooting 10%.</a:t>
+            </a:r>
+            <a:endParaRPr lang="en-CA" dirty="0"/>
+          </a:p>
+        </p:txBody>
+      </p:sp>
+      <p:sp>
+        <p:nvSpPr>
+          <p:cNvPr id="4" name="Slide Number Placeholder 3"/>
+          <p:cNvSpPr>
+            <a:spLocks noGrp="1"/>
+          </p:cNvSpPr>
+          <p:nvPr>
+            <p:ph type="sldNum" sz="quarter" idx="5"/>
+          </p:nvPr>
+        </p:nvSpPr>
+        <p:spPr/>
+        <p:txBody>
+          <a:bodyPr/>
+          <a:lstStyle/>
+          <a:p>
+            <a:fld id="{40A1FB8F-8741-45C7-94DA-62ADC1FBED6E}" type="slidenum">
+              <a:rPr lang="en-CA" smtClean="0"/>
+              <a:t>12</a:t>
+            </a:fld>
+            <a:endParaRPr lang="en-CA"/>
+          </a:p>
+        </p:txBody>
+      </p:sp>
+    </p:spTree>
+    <p:extLst>
+      <p:ext uri="{BB962C8B-B14F-4D97-AF65-F5344CB8AC3E}">
+        <p14:creationId xmlns:p14="http://schemas.microsoft.com/office/powerpoint/2010/main" val="3616837043"/>
+      </p:ext>
+    </p:extLst>
+  </p:cSld>
+  <p:clrMapOvr>
+    <a:masterClrMapping/>
+  </p:clrMapOvr>
+</p:notes>
+</file>
+
+<file path=ppt/notesSlides/notesSlide13.xml><?xml version="1.0" encoding="utf-8"?>
+<p:notes xmlns:a="http://schemas.openxmlformats.org/drawingml/2006/main" xmlns:r="http://schemas.openxmlformats.org/officeDocument/2006/relationships" xmlns:p="http://schemas.openxmlformats.org/presentationml/2006/main">
+  <p:cSld>
+    <p:spTree>
+      <p:nvGrpSpPr>
+        <p:cNvPr id="1" name=""/>
+        <p:cNvGrpSpPr/>
+        <p:nvPr/>
+      </p:nvGrpSpPr>
+      <p:grpSpPr>
+        <a:xfrm>
+          <a:off x="0" y="0"/>
+          <a:ext cx="0" cy="0"/>
+          <a:chOff x="0" y="0"/>
+          <a:chExt cx="0" cy="0"/>
+        </a:xfrm>
+      </p:grpSpPr>
+      <p:sp>
+        <p:nvSpPr>
+          <p:cNvPr id="2" name="Slide Image Placeholder 1"/>
+          <p:cNvSpPr>
+            <a:spLocks noGrp="1" noRot="1" noChangeAspect="1"/>
+          </p:cNvSpPr>
+          <p:nvPr>
+            <p:ph type="sldImg"/>
+          </p:nvPr>
+        </p:nvSpPr>
+        <p:spPr/>
+      </p:sp>
+      <p:sp>
+        <p:nvSpPr>
+          <p:cNvPr id="3" name="Notes Placeholder 2"/>
+          <p:cNvSpPr>
+            <a:spLocks noGrp="1"/>
+          </p:cNvSpPr>
+          <p:nvPr>
+            <p:ph type="body" idx="1"/>
+          </p:nvPr>
+        </p:nvSpPr>
+        <p:spPr/>
+        <p:txBody>
+          <a:bodyPr/>
+          <a:lstStyle/>
+          <a:p>
+            <a:r>
+              <a:rPr lang="en-US" dirty="0"/>
+              <a:t>Dahlin was a sample of a prime-aged star defender.</a:t>
+            </a:r>
+          </a:p>
+          <a:p>
+            <a:endParaRPr lang="en-US" dirty="0"/>
+          </a:p>
+          <a:p>
+            <a:r>
+              <a:rPr lang="en-US" dirty="0"/>
+              <a:t>All the models did fairly well with him.</a:t>
+            </a:r>
+            <a:endParaRPr lang="en-CA" dirty="0"/>
+          </a:p>
+        </p:txBody>
+      </p:sp>
+      <p:sp>
+        <p:nvSpPr>
+          <p:cNvPr id="4" name="Slide Number Placeholder 3"/>
+          <p:cNvSpPr>
+            <a:spLocks noGrp="1"/>
+          </p:cNvSpPr>
+          <p:nvPr>
+            <p:ph type="sldNum" sz="quarter" idx="5"/>
+          </p:nvPr>
+        </p:nvSpPr>
+        <p:spPr/>
+        <p:txBody>
+          <a:bodyPr/>
+          <a:lstStyle/>
+          <a:p>
+            <a:fld id="{40A1FB8F-8741-45C7-94DA-62ADC1FBED6E}" type="slidenum">
+              <a:rPr lang="en-CA" smtClean="0"/>
+              <a:t>13</a:t>
+            </a:fld>
+            <a:endParaRPr lang="en-CA"/>
+          </a:p>
+        </p:txBody>
+      </p:sp>
+    </p:spTree>
+    <p:extLst>
+      <p:ext uri="{BB962C8B-B14F-4D97-AF65-F5344CB8AC3E}">
+        <p14:creationId xmlns:p14="http://schemas.microsoft.com/office/powerpoint/2010/main" val="366802128"/>
+      </p:ext>
+    </p:extLst>
+  </p:cSld>
+  <p:clrMapOvr>
+    <a:masterClrMapping/>
+  </p:clrMapOvr>
+</p:notes>
+</file>
+
+<file path=ppt/notesSlides/notesSlide14.xml><?xml version="1.0" encoding="utf-8"?>
+<p:notes xmlns:a="http://schemas.openxmlformats.org/drawingml/2006/main" xmlns:r="http://schemas.openxmlformats.org/officeDocument/2006/relationships" xmlns:p="http://schemas.openxmlformats.org/presentationml/2006/main">
+  <p:cSld>
+    <p:spTree>
+      <p:nvGrpSpPr>
+        <p:cNvPr id="1" name=""/>
+        <p:cNvGrpSpPr/>
+        <p:nvPr/>
+      </p:nvGrpSpPr>
+      <p:grpSpPr>
+        <a:xfrm>
+          <a:off x="0" y="0"/>
+          <a:ext cx="0" cy="0"/>
+          <a:chOff x="0" y="0"/>
+          <a:chExt cx="0" cy="0"/>
+        </a:xfrm>
+      </p:grpSpPr>
+      <p:sp>
+        <p:nvSpPr>
+          <p:cNvPr id="2" name="Slide Image Placeholder 1"/>
+          <p:cNvSpPr>
+            <a:spLocks noGrp="1" noRot="1" noChangeAspect="1"/>
+          </p:cNvSpPr>
+          <p:nvPr>
+            <p:ph type="sldImg"/>
+          </p:nvPr>
+        </p:nvSpPr>
+        <p:spPr/>
+      </p:sp>
+      <p:sp>
+        <p:nvSpPr>
+          <p:cNvPr id="3" name="Notes Placeholder 2"/>
+          <p:cNvSpPr>
+            <a:spLocks noGrp="1"/>
+          </p:cNvSpPr>
+          <p:nvPr>
+            <p:ph type="body" idx="1"/>
+          </p:nvPr>
+        </p:nvSpPr>
+        <p:spPr/>
+        <p:txBody>
+          <a:bodyPr/>
+          <a:lstStyle/>
+          <a:p>
+            <a:r>
+              <a:rPr lang="en-US" dirty="0"/>
+              <a:t>Overall, MLP performed best on half of our sample and was best overall with 13% average error.</a:t>
+            </a:r>
+          </a:p>
+          <a:p>
+            <a:endParaRPr lang="en-US" dirty="0"/>
+          </a:p>
+          <a:p>
+            <a:r>
+              <a:rPr lang="en-US" dirty="0"/>
+              <a:t>Our hybrid model was more consistent than accurate and not far behind in the results.</a:t>
+            </a:r>
+          </a:p>
+        </p:txBody>
+      </p:sp>
+      <p:sp>
+        <p:nvSpPr>
+          <p:cNvPr id="4" name="Slide Number Placeholder 3"/>
+          <p:cNvSpPr>
+            <a:spLocks noGrp="1"/>
+          </p:cNvSpPr>
+          <p:nvPr>
+            <p:ph type="sldNum" sz="quarter" idx="5"/>
+          </p:nvPr>
+        </p:nvSpPr>
+        <p:spPr/>
+        <p:txBody>
+          <a:bodyPr/>
+          <a:lstStyle/>
+          <a:p>
+            <a:fld id="{40A1FB8F-8741-45C7-94DA-62ADC1FBED6E}" type="slidenum">
+              <a:rPr lang="en-CA" smtClean="0"/>
+              <a:t>14</a:t>
+            </a:fld>
+            <a:endParaRPr lang="en-CA"/>
+          </a:p>
+        </p:txBody>
+      </p:sp>
+    </p:spTree>
+    <p:extLst>
+      <p:ext uri="{BB962C8B-B14F-4D97-AF65-F5344CB8AC3E}">
+        <p14:creationId xmlns:p14="http://schemas.microsoft.com/office/powerpoint/2010/main" val="4108747587"/>
+      </p:ext>
+    </p:extLst>
+  </p:cSld>
+  <p:clrMapOvr>
+    <a:masterClrMapping/>
+  </p:clrMapOvr>
+</p:notes>
+</file>
+
+<file path=ppt/notesSlides/notesSlide15.xml><?xml version="1.0" encoding="utf-8"?>
+<p:notes xmlns:a="http://schemas.openxmlformats.org/drawingml/2006/main" xmlns:r="http://schemas.openxmlformats.org/officeDocument/2006/relationships" xmlns:p="http://schemas.openxmlformats.org/presentationml/2006/main">
+  <p:cSld>
+    <p:spTree>
+      <p:nvGrpSpPr>
+        <p:cNvPr id="1" name=""/>
+        <p:cNvGrpSpPr/>
+        <p:nvPr/>
+      </p:nvGrpSpPr>
+      <p:grpSpPr>
+        <a:xfrm>
+          <a:off x="0" y="0"/>
+          <a:ext cx="0" cy="0"/>
+          <a:chOff x="0" y="0"/>
+          <a:chExt cx="0" cy="0"/>
+        </a:xfrm>
+      </p:grpSpPr>
+      <p:sp>
+        <p:nvSpPr>
+          <p:cNvPr id="2" name="Slide Image Placeholder 1"/>
+          <p:cNvSpPr>
+            <a:spLocks noGrp="1" noRot="1" noChangeAspect="1"/>
+          </p:cNvSpPr>
+          <p:nvPr>
+            <p:ph type="sldImg"/>
+          </p:nvPr>
+        </p:nvSpPr>
+        <p:spPr/>
+      </p:sp>
+      <p:sp>
+        <p:nvSpPr>
+          <p:cNvPr id="3" name="Notes Placeholder 2"/>
+          <p:cNvSpPr>
+            <a:spLocks noGrp="1"/>
+          </p:cNvSpPr>
+          <p:nvPr>
+            <p:ph type="body" idx="1"/>
+          </p:nvPr>
+        </p:nvSpPr>
+        <p:spPr/>
+        <p:txBody>
+          <a:bodyPr/>
+          <a:lstStyle/>
+          <a:p>
+            <a:r>
+              <a:rPr lang="en-US" dirty="0"/>
+              <a:t>This is likely because RNN and LSTM didn’t have enough data over this small sample to really shine.</a:t>
+            </a:r>
+          </a:p>
+          <a:p>
+            <a:endParaRPr lang="en-US" dirty="0"/>
+          </a:p>
+          <a:p>
+            <a:r>
+              <a:rPr lang="en-US" dirty="0"/>
+              <a:t>Not all players over the span appear to have been recorded in the dataset and we only took 3-season sample instead of a whole career.</a:t>
+            </a:r>
+          </a:p>
+          <a:p>
+            <a:endParaRPr lang="en-US" dirty="0"/>
+          </a:p>
+          <a:p>
+            <a:r>
+              <a:rPr lang="en-US" dirty="0"/>
+              <a:t>Looking back, most of the improvement to be made boils down to adding more data, whether through volume or detail.</a:t>
+            </a:r>
+            <a:endParaRPr lang="en-CA" dirty="0"/>
+          </a:p>
+        </p:txBody>
+      </p:sp>
+      <p:sp>
+        <p:nvSpPr>
+          <p:cNvPr id="4" name="Slide Number Placeholder 3"/>
+          <p:cNvSpPr>
+            <a:spLocks noGrp="1"/>
+          </p:cNvSpPr>
+          <p:nvPr>
+            <p:ph type="sldNum" sz="quarter" idx="5"/>
+          </p:nvPr>
+        </p:nvSpPr>
+        <p:spPr/>
+        <p:txBody>
+          <a:bodyPr/>
+          <a:lstStyle/>
+          <a:p>
+            <a:fld id="{40A1FB8F-8741-45C7-94DA-62ADC1FBED6E}" type="slidenum">
+              <a:rPr lang="en-CA" smtClean="0"/>
+              <a:t>15</a:t>
+            </a:fld>
+            <a:endParaRPr lang="en-CA"/>
+          </a:p>
+        </p:txBody>
+      </p:sp>
+    </p:spTree>
+    <p:extLst>
+      <p:ext uri="{BB962C8B-B14F-4D97-AF65-F5344CB8AC3E}">
+        <p14:creationId xmlns:p14="http://schemas.microsoft.com/office/powerpoint/2010/main" val="1160436513"/>
       </p:ext>
     </p:extLst>
   </p:cSld>
@@ -608,15 +1203,35 @@
           <a:p>
             <a:r>
               <a:rPr lang="en-US" dirty="0"/>
-              <a:t>Goalies use different stats than skaters</a:t>
-            </a:r>
+              <a:t>The objective of this project is to predict an NHL player’s performance next season given their past 3 seasons.</a:t>
+            </a:r>
+          </a:p>
+          <a:p>
+            <a:endParaRPr lang="en-US" dirty="0"/>
           </a:p>
           <a:p>
             <a:r>
               <a:rPr lang="en-US" dirty="0"/>
-              <a:t>Incomplete data or info deemed irrelevant or redundant</a:t>
-            </a:r>
+              <a:t>Stats in sports are hard to predict, especially hockey.</a:t>
+            </a:r>
+          </a:p>
+          <a:p>
+            <a:endParaRPr lang="en-US" dirty="0"/>
+          </a:p>
+          <a:p>
+            <a:r>
+              <a:rPr lang="en-US" dirty="0"/>
+              <a:t>Players are prone to injury due to being a high contact sport, and it widely considered more luck-based than the other major sports.</a:t>
+            </a:r>
+          </a:p>
+          <a:p>
             <a:endParaRPr lang="en-CA" dirty="0"/>
+          </a:p>
+          <a:p>
+            <a:r>
+              <a:rPr lang="en-CA" dirty="0"/>
+              <a:t>To perform these predictions, I used MLP, RNN, LSTM, and a mix of LSTM and MLP</a:t>
+            </a:r>
           </a:p>
         </p:txBody>
       </p:sp>
@@ -637,7 +1252,7 @@
           <a:p>
             <a:fld id="{40A1FB8F-8741-45C7-94DA-62ADC1FBED6E}" type="slidenum">
               <a:rPr lang="en-CA" smtClean="0"/>
-              <a:t>3</a:t>
+              <a:t>2</a:t>
             </a:fld>
             <a:endParaRPr lang="en-CA"/>
           </a:p>
@@ -646,7 +1261,7 @@
     </p:spTree>
     <p:extLst>
       <p:ext uri="{BB962C8B-B14F-4D97-AF65-F5344CB8AC3E}">
-        <p14:creationId xmlns:p14="http://schemas.microsoft.com/office/powerpoint/2010/main" val="3686967675"/>
+        <p14:creationId xmlns:p14="http://schemas.microsoft.com/office/powerpoint/2010/main" val="2317204394"/>
       </p:ext>
     </p:extLst>
   </p:cSld>
@@ -702,7 +1317,52 @@
           <a:p>
             <a:r>
               <a:rPr lang="en-US" dirty="0"/>
-              <a:t>Some from assignment 2</a:t>
+              <a:t>A quick overview of the dataset her.</a:t>
+            </a:r>
+          </a:p>
+          <a:p>
+            <a:endParaRPr lang="en-US" dirty="0"/>
+          </a:p>
+          <a:p>
+            <a:r>
+              <a:rPr lang="en-US" dirty="0"/>
+              <a:t>It spans the 1979-80 season to the 2019-20 season, containing box score stats and player info among other things for each player’s season.</a:t>
+            </a:r>
+          </a:p>
+          <a:p>
+            <a:endParaRPr lang="en-US" dirty="0"/>
+          </a:p>
+          <a:p>
+            <a:r>
+              <a:rPr lang="en-US" dirty="0"/>
+              <a:t>The data was processed prior to use so it was easier to input into the models.</a:t>
+            </a:r>
+          </a:p>
+          <a:p>
+            <a:endParaRPr lang="en-US" dirty="0"/>
+          </a:p>
+          <a:p>
+            <a:r>
+              <a:rPr lang="en-US" dirty="0"/>
+              <a:t>Goalies were removed because they use different stats than skaters which are not comparable.</a:t>
+            </a:r>
+          </a:p>
+          <a:p>
+            <a:endParaRPr lang="en-US" dirty="0"/>
+          </a:p>
+          <a:p>
+            <a:r>
+              <a:rPr lang="en-US" dirty="0"/>
+              <a:t>Incomplete data or info deemed irrelevant or redundant was trimmed away.</a:t>
+            </a:r>
+          </a:p>
+          <a:p>
+            <a:endParaRPr lang="en-US" dirty="0"/>
+          </a:p>
+          <a:p>
+            <a:r>
+              <a:rPr lang="en-US" dirty="0"/>
+              <a:t>Players would appear twice per season if they switched teams for any reason mid-season. These lines were merged, and then the data was flattened to lines that contain 3 years of box score stats rather than one.</a:t>
             </a:r>
             <a:endParaRPr lang="en-CA" dirty="0"/>
           </a:p>
@@ -725,7 +1385,7 @@
           <a:p>
             <a:fld id="{40A1FB8F-8741-45C7-94DA-62ADC1FBED6E}" type="slidenum">
               <a:rPr lang="en-CA" smtClean="0"/>
-              <a:t>5</a:t>
+              <a:t>3</a:t>
             </a:fld>
             <a:endParaRPr lang="en-CA"/>
           </a:p>
@@ -734,7 +1394,7 @@
     </p:spTree>
     <p:extLst>
       <p:ext uri="{BB962C8B-B14F-4D97-AF65-F5344CB8AC3E}">
-        <p14:creationId xmlns:p14="http://schemas.microsoft.com/office/powerpoint/2010/main" val="1854624305"/>
+        <p14:creationId xmlns:p14="http://schemas.microsoft.com/office/powerpoint/2010/main" val="3686967675"/>
       </p:ext>
     </p:extLst>
   </p:cSld>
@@ -790,7 +1450,306 @@
           <a:p>
             <a:r>
               <a:rPr lang="en-US" dirty="0"/>
-              <a:t>Spikes are due to the model architecture.</a:t>
+              <a:t>The target stats were goals, assists, and shots on goal, all on a per game basis as well as total games played.</a:t>
+            </a:r>
+          </a:p>
+          <a:p>
+            <a:endParaRPr lang="en-US" dirty="0"/>
+          </a:p>
+          <a:p>
+            <a:r>
+              <a:rPr lang="en-US" dirty="0"/>
+              <a:t>The inputs to predict the targets are the aforementioned stats for the current season and the previous 2 seasons as well as some relevant player info.</a:t>
+            </a:r>
+          </a:p>
+        </p:txBody>
+      </p:sp>
+      <p:sp>
+        <p:nvSpPr>
+          <p:cNvPr id="4" name="Slide Number Placeholder 3"/>
+          <p:cNvSpPr>
+            <a:spLocks noGrp="1"/>
+          </p:cNvSpPr>
+          <p:nvPr>
+            <p:ph type="sldNum" sz="quarter" idx="5"/>
+          </p:nvPr>
+        </p:nvSpPr>
+        <p:spPr/>
+        <p:txBody>
+          <a:bodyPr/>
+          <a:lstStyle/>
+          <a:p>
+            <a:fld id="{40A1FB8F-8741-45C7-94DA-62ADC1FBED6E}" type="slidenum">
+              <a:rPr lang="en-CA" smtClean="0"/>
+              <a:t>4</a:t>
+            </a:fld>
+            <a:endParaRPr lang="en-CA"/>
+          </a:p>
+        </p:txBody>
+      </p:sp>
+    </p:spTree>
+    <p:extLst>
+      <p:ext uri="{BB962C8B-B14F-4D97-AF65-F5344CB8AC3E}">
+        <p14:creationId xmlns:p14="http://schemas.microsoft.com/office/powerpoint/2010/main" val="3143071080"/>
+      </p:ext>
+    </p:extLst>
+  </p:cSld>
+  <p:clrMapOvr>
+    <a:masterClrMapping/>
+  </p:clrMapOvr>
+</p:notes>
+</file>
+
+<file path=ppt/notesSlides/notesSlide5.xml><?xml version="1.0" encoding="utf-8"?>
+<p:notes xmlns:a="http://schemas.openxmlformats.org/drawingml/2006/main" xmlns:r="http://schemas.openxmlformats.org/officeDocument/2006/relationships" xmlns:p="http://schemas.openxmlformats.org/presentationml/2006/main">
+  <p:cSld>
+    <p:spTree>
+      <p:nvGrpSpPr>
+        <p:cNvPr id="1" name=""/>
+        <p:cNvGrpSpPr/>
+        <p:nvPr/>
+      </p:nvGrpSpPr>
+      <p:grpSpPr>
+        <a:xfrm>
+          <a:off x="0" y="0"/>
+          <a:ext cx="0" cy="0"/>
+          <a:chOff x="0" y="0"/>
+          <a:chExt cx="0" cy="0"/>
+        </a:xfrm>
+      </p:grpSpPr>
+      <p:sp>
+        <p:nvSpPr>
+          <p:cNvPr id="2" name="Slide Image Placeholder 1"/>
+          <p:cNvSpPr>
+            <a:spLocks noGrp="1" noRot="1" noChangeAspect="1"/>
+          </p:cNvSpPr>
+          <p:nvPr>
+            <p:ph type="sldImg"/>
+          </p:nvPr>
+        </p:nvSpPr>
+        <p:spPr/>
+      </p:sp>
+      <p:sp>
+        <p:nvSpPr>
+          <p:cNvPr id="3" name="Notes Placeholder 2"/>
+          <p:cNvSpPr>
+            <a:spLocks noGrp="1"/>
+          </p:cNvSpPr>
+          <p:nvPr>
+            <p:ph type="body" idx="1"/>
+          </p:nvPr>
+        </p:nvSpPr>
+        <p:spPr/>
+        <p:txBody>
+          <a:bodyPr/>
+          <a:lstStyle/>
+          <a:p>
+            <a:r>
+              <a:rPr lang="en-US" dirty="0"/>
+              <a:t>The functions used in training the models are nearly identical to those used in assignment 3 with some from assignment 2.</a:t>
+            </a:r>
+          </a:p>
+          <a:p>
+            <a:endParaRPr lang="en-US" dirty="0"/>
+          </a:p>
+          <a:p>
+            <a:r>
+              <a:rPr lang="en-US" dirty="0"/>
+              <a:t>These were just modified to record error instead of accuracy since we are predicting numerical values instead of classifying.</a:t>
+            </a:r>
+            <a:endParaRPr lang="en-CA" dirty="0"/>
+          </a:p>
+        </p:txBody>
+      </p:sp>
+      <p:sp>
+        <p:nvSpPr>
+          <p:cNvPr id="4" name="Slide Number Placeholder 3"/>
+          <p:cNvSpPr>
+            <a:spLocks noGrp="1"/>
+          </p:cNvSpPr>
+          <p:nvPr>
+            <p:ph type="sldNum" sz="quarter" idx="5"/>
+          </p:nvPr>
+        </p:nvSpPr>
+        <p:spPr/>
+        <p:txBody>
+          <a:bodyPr/>
+          <a:lstStyle/>
+          <a:p>
+            <a:fld id="{40A1FB8F-8741-45C7-94DA-62ADC1FBED6E}" type="slidenum">
+              <a:rPr lang="en-CA" smtClean="0"/>
+              <a:t>5</a:t>
+            </a:fld>
+            <a:endParaRPr lang="en-CA"/>
+          </a:p>
+        </p:txBody>
+      </p:sp>
+    </p:spTree>
+    <p:extLst>
+      <p:ext uri="{BB962C8B-B14F-4D97-AF65-F5344CB8AC3E}">
+        <p14:creationId xmlns:p14="http://schemas.microsoft.com/office/powerpoint/2010/main" val="1854624305"/>
+      </p:ext>
+    </p:extLst>
+  </p:cSld>
+  <p:clrMapOvr>
+    <a:masterClrMapping/>
+  </p:clrMapOvr>
+</p:notes>
+</file>
+
+<file path=ppt/notesSlides/notesSlide6.xml><?xml version="1.0" encoding="utf-8"?>
+<p:notes xmlns:a="http://schemas.openxmlformats.org/drawingml/2006/main" xmlns:r="http://schemas.openxmlformats.org/officeDocument/2006/relationships" xmlns:p="http://schemas.openxmlformats.org/presentationml/2006/main">
+  <p:cSld>
+    <p:spTree>
+      <p:nvGrpSpPr>
+        <p:cNvPr id="1" name=""/>
+        <p:cNvGrpSpPr/>
+        <p:nvPr/>
+      </p:nvGrpSpPr>
+      <p:grpSpPr>
+        <a:xfrm>
+          <a:off x="0" y="0"/>
+          <a:ext cx="0" cy="0"/>
+          <a:chOff x="0" y="0"/>
+          <a:chExt cx="0" cy="0"/>
+        </a:xfrm>
+      </p:grpSpPr>
+      <p:sp>
+        <p:nvSpPr>
+          <p:cNvPr id="2" name="Slide Image Placeholder 1"/>
+          <p:cNvSpPr>
+            <a:spLocks noGrp="1" noRot="1" noChangeAspect="1"/>
+          </p:cNvSpPr>
+          <p:nvPr>
+            <p:ph type="sldImg"/>
+          </p:nvPr>
+        </p:nvSpPr>
+        <p:spPr/>
+      </p:sp>
+      <p:sp>
+        <p:nvSpPr>
+          <p:cNvPr id="3" name="Notes Placeholder 2"/>
+          <p:cNvSpPr>
+            <a:spLocks noGrp="1"/>
+          </p:cNvSpPr>
+          <p:nvPr>
+            <p:ph type="body" idx="1"/>
+          </p:nvPr>
+        </p:nvSpPr>
+        <p:spPr/>
+        <p:txBody>
+          <a:bodyPr/>
+          <a:lstStyle/>
+          <a:p>
+            <a:r>
+              <a:rPr lang="en-US" dirty="0"/>
+              <a:t>A reminder of the models I used.</a:t>
+            </a:r>
+          </a:p>
+          <a:p>
+            <a:endParaRPr lang="en-US" dirty="0"/>
+          </a:p>
+          <a:p>
+            <a:r>
+              <a:rPr lang="en-US" dirty="0"/>
+              <a:t>MLP, , RNN, LSTM, and an LSTM MLP hybrid</a:t>
+            </a:r>
+            <a:endParaRPr lang="en-CA" dirty="0"/>
+          </a:p>
+        </p:txBody>
+      </p:sp>
+      <p:sp>
+        <p:nvSpPr>
+          <p:cNvPr id="4" name="Slide Number Placeholder 3"/>
+          <p:cNvSpPr>
+            <a:spLocks noGrp="1"/>
+          </p:cNvSpPr>
+          <p:nvPr>
+            <p:ph type="sldNum" sz="quarter" idx="5"/>
+          </p:nvPr>
+        </p:nvSpPr>
+        <p:spPr/>
+        <p:txBody>
+          <a:bodyPr/>
+          <a:lstStyle/>
+          <a:p>
+            <a:fld id="{40A1FB8F-8741-45C7-94DA-62ADC1FBED6E}" type="slidenum">
+              <a:rPr lang="en-CA" smtClean="0"/>
+              <a:t>6</a:t>
+            </a:fld>
+            <a:endParaRPr lang="en-CA"/>
+          </a:p>
+        </p:txBody>
+      </p:sp>
+    </p:spTree>
+    <p:extLst>
+      <p:ext uri="{BB962C8B-B14F-4D97-AF65-F5344CB8AC3E}">
+        <p14:creationId xmlns:p14="http://schemas.microsoft.com/office/powerpoint/2010/main" val="2352684381"/>
+      </p:ext>
+    </p:extLst>
+  </p:cSld>
+  <p:clrMapOvr>
+    <a:masterClrMapping/>
+  </p:clrMapOvr>
+</p:notes>
+</file>
+
+<file path=ppt/notesSlides/notesSlide7.xml><?xml version="1.0" encoding="utf-8"?>
+<p:notes xmlns:a="http://schemas.openxmlformats.org/drawingml/2006/main" xmlns:r="http://schemas.openxmlformats.org/officeDocument/2006/relationships" xmlns:p="http://schemas.openxmlformats.org/presentationml/2006/main">
+  <p:cSld>
+    <p:spTree>
+      <p:nvGrpSpPr>
+        <p:cNvPr id="1" name=""/>
+        <p:cNvGrpSpPr/>
+        <p:nvPr/>
+      </p:nvGrpSpPr>
+      <p:grpSpPr>
+        <a:xfrm>
+          <a:off x="0" y="0"/>
+          <a:ext cx="0" cy="0"/>
+          <a:chOff x="0" y="0"/>
+          <a:chExt cx="0" cy="0"/>
+        </a:xfrm>
+      </p:grpSpPr>
+      <p:sp>
+        <p:nvSpPr>
+          <p:cNvPr id="2" name="Slide Image Placeholder 1"/>
+          <p:cNvSpPr>
+            <a:spLocks noGrp="1" noRot="1" noChangeAspect="1"/>
+          </p:cNvSpPr>
+          <p:nvPr>
+            <p:ph type="sldImg"/>
+          </p:nvPr>
+        </p:nvSpPr>
+        <p:spPr/>
+      </p:sp>
+      <p:sp>
+        <p:nvSpPr>
+          <p:cNvPr id="3" name="Notes Placeholder 2"/>
+          <p:cNvSpPr>
+            <a:spLocks noGrp="1"/>
+          </p:cNvSpPr>
+          <p:nvPr>
+            <p:ph type="body" idx="1"/>
+          </p:nvPr>
+        </p:nvSpPr>
+        <p:spPr/>
+        <p:txBody>
+          <a:bodyPr/>
+          <a:lstStyle/>
+          <a:p>
+            <a:r>
+              <a:rPr lang="en-US" dirty="0"/>
+              <a:t>The models utilizing MLP seemed to converge lower and faster than RNN and LSTM.</a:t>
+            </a:r>
+          </a:p>
+          <a:p>
+            <a:endParaRPr lang="en-US" dirty="0"/>
+          </a:p>
+          <a:p>
+            <a:r>
+              <a:rPr lang="en-US" dirty="0"/>
+              <a:t>The spikes on the graph are due to the model architecture with RNN and LSTM learning less heavily from one sample.</a:t>
             </a:r>
             <a:endParaRPr lang="en-CA" dirty="0"/>
           </a:p>
@@ -823,6 +1782,227 @@
     <p:extLst>
       <p:ext uri="{BB962C8B-B14F-4D97-AF65-F5344CB8AC3E}">
         <p14:creationId xmlns:p14="http://schemas.microsoft.com/office/powerpoint/2010/main" val="1025313605"/>
+      </p:ext>
+    </p:extLst>
+  </p:cSld>
+  <p:clrMapOvr>
+    <a:masterClrMapping/>
+  </p:clrMapOvr>
+</p:notes>
+</file>
+
+<file path=ppt/notesSlides/notesSlide8.xml><?xml version="1.0" encoding="utf-8"?>
+<p:notes xmlns:a="http://schemas.openxmlformats.org/drawingml/2006/main" xmlns:r="http://schemas.openxmlformats.org/officeDocument/2006/relationships" xmlns:p="http://schemas.openxmlformats.org/presentationml/2006/main">
+  <p:cSld>
+    <p:spTree>
+      <p:nvGrpSpPr>
+        <p:cNvPr id="1" name=""/>
+        <p:cNvGrpSpPr/>
+        <p:nvPr/>
+      </p:nvGrpSpPr>
+      <p:grpSpPr>
+        <a:xfrm>
+          <a:off x="0" y="0"/>
+          <a:ext cx="0" cy="0"/>
+          <a:chOff x="0" y="0"/>
+          <a:chExt cx="0" cy="0"/>
+        </a:xfrm>
+      </p:grpSpPr>
+      <p:sp>
+        <p:nvSpPr>
+          <p:cNvPr id="2" name="Slide Image Placeholder 1"/>
+          <p:cNvSpPr>
+            <a:spLocks noGrp="1" noRot="1" noChangeAspect="1"/>
+          </p:cNvSpPr>
+          <p:nvPr>
+            <p:ph type="sldImg"/>
+          </p:nvPr>
+        </p:nvSpPr>
+        <p:spPr/>
+      </p:sp>
+      <p:sp>
+        <p:nvSpPr>
+          <p:cNvPr id="3" name="Notes Placeholder 2"/>
+          <p:cNvSpPr>
+            <a:spLocks noGrp="1"/>
+          </p:cNvSpPr>
+          <p:nvPr>
+            <p:ph type="body" idx="1"/>
+          </p:nvPr>
+        </p:nvSpPr>
+        <p:spPr/>
+        <p:txBody>
+          <a:bodyPr/>
+          <a:lstStyle/>
+          <a:p>
+            <a:r>
+              <a:rPr lang="en-US" dirty="0"/>
+              <a:t>We will quickly run through the results of our practical application.</a:t>
+            </a:r>
+          </a:p>
+          <a:p>
+            <a:endParaRPr lang="en-US" dirty="0"/>
+          </a:p>
+          <a:p>
+            <a:r>
+              <a:rPr lang="en-US" dirty="0"/>
+              <a:t>Duncan Keith was used as a case of an aging player.</a:t>
+            </a:r>
+          </a:p>
+          <a:p>
+            <a:endParaRPr lang="en-US" dirty="0"/>
+          </a:p>
+          <a:p>
+            <a:r>
+              <a:rPr lang="en-US" dirty="0"/>
+              <a:t>The inaccurate goal rates are largely due to the initial prediction having a very small value, giving us a small denominator for calculation.</a:t>
+            </a:r>
+          </a:p>
+          <a:p>
+            <a:endParaRPr lang="en-US" dirty="0"/>
+          </a:p>
+          <a:p>
+            <a:r>
+              <a:rPr lang="en-US" dirty="0"/>
+              <a:t>Here, our hybrid model performed best.</a:t>
+            </a:r>
+            <a:endParaRPr lang="en-CA" dirty="0"/>
+          </a:p>
+        </p:txBody>
+      </p:sp>
+      <p:sp>
+        <p:nvSpPr>
+          <p:cNvPr id="4" name="Slide Number Placeholder 3"/>
+          <p:cNvSpPr>
+            <a:spLocks noGrp="1"/>
+          </p:cNvSpPr>
+          <p:nvPr>
+            <p:ph type="sldNum" sz="quarter" idx="5"/>
+          </p:nvPr>
+        </p:nvSpPr>
+        <p:spPr/>
+        <p:txBody>
+          <a:bodyPr/>
+          <a:lstStyle/>
+          <a:p>
+            <a:fld id="{40A1FB8F-8741-45C7-94DA-62ADC1FBED6E}" type="slidenum">
+              <a:rPr lang="en-CA" smtClean="0"/>
+              <a:t>8</a:t>
+            </a:fld>
+            <a:endParaRPr lang="en-CA"/>
+          </a:p>
+        </p:txBody>
+      </p:sp>
+    </p:spTree>
+    <p:extLst>
+      <p:ext uri="{BB962C8B-B14F-4D97-AF65-F5344CB8AC3E}">
+        <p14:creationId xmlns:p14="http://schemas.microsoft.com/office/powerpoint/2010/main" val="1335380721"/>
+      </p:ext>
+    </p:extLst>
+  </p:cSld>
+  <p:clrMapOvr>
+    <a:masterClrMapping/>
+  </p:clrMapOvr>
+</p:notes>
+</file>
+
+<file path=ppt/notesSlides/notesSlide9.xml><?xml version="1.0" encoding="utf-8"?>
+<p:notes xmlns:a="http://schemas.openxmlformats.org/drawingml/2006/main" xmlns:r="http://schemas.openxmlformats.org/officeDocument/2006/relationships" xmlns:p="http://schemas.openxmlformats.org/presentationml/2006/main">
+  <p:cSld>
+    <p:spTree>
+      <p:nvGrpSpPr>
+        <p:cNvPr id="1" name=""/>
+        <p:cNvGrpSpPr/>
+        <p:nvPr/>
+      </p:nvGrpSpPr>
+      <p:grpSpPr>
+        <a:xfrm>
+          <a:off x="0" y="0"/>
+          <a:ext cx="0" cy="0"/>
+          <a:chOff x="0" y="0"/>
+          <a:chExt cx="0" cy="0"/>
+        </a:xfrm>
+      </p:grpSpPr>
+      <p:sp>
+        <p:nvSpPr>
+          <p:cNvPr id="2" name="Slide Image Placeholder 1"/>
+          <p:cNvSpPr>
+            <a:spLocks noGrp="1" noRot="1" noChangeAspect="1"/>
+          </p:cNvSpPr>
+          <p:nvPr>
+            <p:ph type="sldImg"/>
+          </p:nvPr>
+        </p:nvSpPr>
+        <p:spPr/>
+      </p:sp>
+      <p:sp>
+        <p:nvSpPr>
+          <p:cNvPr id="3" name="Notes Placeholder 2"/>
+          <p:cNvSpPr>
+            <a:spLocks noGrp="1"/>
+          </p:cNvSpPr>
+          <p:nvPr>
+            <p:ph type="body" idx="1"/>
+          </p:nvPr>
+        </p:nvSpPr>
+        <p:spPr/>
+        <p:txBody>
+          <a:bodyPr/>
+          <a:lstStyle/>
+          <a:p>
+            <a:r>
+              <a:rPr lang="en-US" dirty="0"/>
+              <a:t>Malkin was chosen as a case of a frequently injured player.</a:t>
+            </a:r>
+          </a:p>
+          <a:p>
+            <a:endParaRPr lang="en-US" dirty="0"/>
+          </a:p>
+          <a:p>
+            <a:r>
+              <a:rPr lang="en-US" dirty="0"/>
+              <a:t>The goal rate prediction was poor. It predicted a regression from the sample despite him being in his prime years.</a:t>
+            </a:r>
+          </a:p>
+          <a:p>
+            <a:endParaRPr lang="en-US" dirty="0"/>
+          </a:p>
+          <a:p>
+            <a:r>
+              <a:rPr lang="en-US" dirty="0"/>
+              <a:t>But the models seemed to take injury history into account based on the Games Played prediction,</a:t>
+            </a:r>
+            <a:endParaRPr lang="en-CA" dirty="0"/>
+          </a:p>
+        </p:txBody>
+      </p:sp>
+      <p:sp>
+        <p:nvSpPr>
+          <p:cNvPr id="4" name="Slide Number Placeholder 3"/>
+          <p:cNvSpPr>
+            <a:spLocks noGrp="1"/>
+          </p:cNvSpPr>
+          <p:nvPr>
+            <p:ph type="sldNum" sz="quarter" idx="5"/>
+          </p:nvPr>
+        </p:nvSpPr>
+        <p:spPr/>
+        <p:txBody>
+          <a:bodyPr/>
+          <a:lstStyle/>
+          <a:p>
+            <a:fld id="{40A1FB8F-8741-45C7-94DA-62ADC1FBED6E}" type="slidenum">
+              <a:rPr lang="en-CA" smtClean="0"/>
+              <a:t>9</a:t>
+            </a:fld>
+            <a:endParaRPr lang="en-CA"/>
+          </a:p>
+        </p:txBody>
+      </p:sp>
+    </p:spTree>
+    <p:extLst>
+      <p:ext uri="{BB962C8B-B14F-4D97-AF65-F5344CB8AC3E}">
+        <p14:creationId xmlns:p14="http://schemas.microsoft.com/office/powerpoint/2010/main" val="1725081078"/>
       </p:ext>
     </p:extLst>
   </p:cSld>
@@ -889,7 +2069,7 @@
           <a:noFill/>
           <a:extLst>
             <a:ext uri="{909E8E84-426E-40dd-AFC4-6F175D3DCCD1}">
-              <a14:hiddenFill xmlns:a14="http://schemas.microsoft.com/office/drawing/2010/main" xmlns="">
+              <a14:hiddenFill xmlns="" xmlns:a14="http://schemas.microsoft.com/office/drawing/2010/main">
                 <a:solidFill>
                   <a:srgbClr val="FFFFFF"/>
                 </a:solidFill>
@@ -948,7 +2128,7 @@
             </a:ln>
             <a:extLst>
               <a:ext uri="{91240B29-F687-4f45-9708-019B960494DF}">
-                <a14:hiddenLine xmlns:a14="http://schemas.microsoft.com/office/drawing/2010/main" xmlns="" w="9525">
+                <a14:hiddenLine xmlns="" xmlns:a14="http://schemas.microsoft.com/office/drawing/2010/main" w="9525">
                   <a:solidFill>
                     <a:srgbClr val="000000"/>
                   </a:solidFill>
@@ -959,6 +2139,13 @@
               </a:ext>
             </a:extLst>
           </p:spPr>
+          <p:txBody>
+            <a:bodyPr/>
+            <a:lstStyle/>
+            <a:p>
+              <a:endParaRPr lang="en-CA"/>
+            </a:p>
+          </p:txBody>
         </p:sp>
         <p:sp>
           <p:nvSpPr>
@@ -1038,7 +2225,7 @@
             </a:ln>
             <a:extLst>
               <a:ext uri="{91240B29-F687-4f45-9708-019B960494DF}">
-                <a14:hiddenLine xmlns:a14="http://schemas.microsoft.com/office/drawing/2010/main" xmlns="" w="9525">
+                <a14:hiddenLine xmlns="" xmlns:a14="http://schemas.microsoft.com/office/drawing/2010/main" w="9525">
                   <a:solidFill>
                     <a:srgbClr val="000000"/>
                   </a:solidFill>
@@ -1049,6 +2236,13 @@
               </a:ext>
             </a:extLst>
           </p:spPr>
+          <p:txBody>
+            <a:bodyPr/>
+            <a:lstStyle/>
+            <a:p>
+              <a:endParaRPr lang="en-CA"/>
+            </a:p>
+          </p:txBody>
         </p:sp>
         <p:sp>
           <p:nvSpPr>
@@ -1128,7 +2322,7 @@
             </a:ln>
             <a:extLst>
               <a:ext uri="{91240B29-F687-4f45-9708-019B960494DF}">
-                <a14:hiddenLine xmlns:a14="http://schemas.microsoft.com/office/drawing/2010/main" xmlns="" w="9525">
+                <a14:hiddenLine xmlns="" xmlns:a14="http://schemas.microsoft.com/office/drawing/2010/main" w="9525">
                   <a:solidFill>
                     <a:srgbClr val="000000"/>
                   </a:solidFill>
@@ -1139,6 +2333,13 @@
               </a:ext>
             </a:extLst>
           </p:spPr>
+          <p:txBody>
+            <a:bodyPr/>
+            <a:lstStyle/>
+            <a:p>
+              <a:endParaRPr lang="en-CA"/>
+            </a:p>
+          </p:txBody>
         </p:sp>
         <p:sp>
           <p:nvSpPr>
@@ -1162,7 +2363,7 @@
             </a:ln>
             <a:extLst>
               <a:ext uri="{91240B29-F687-4f45-9708-019B960494DF}">
-                <a14:hiddenLine xmlns:a14="http://schemas.microsoft.com/office/drawing/2010/main" xmlns="" w="9525">
+                <a14:hiddenLine xmlns="" xmlns:a14="http://schemas.microsoft.com/office/drawing/2010/main" w="9525">
                   <a:solidFill>
                     <a:srgbClr val="000000"/>
                   </a:solidFill>
@@ -1173,6 +2374,13 @@
               </a:ext>
             </a:extLst>
           </p:spPr>
+          <p:txBody>
+            <a:bodyPr/>
+            <a:lstStyle/>
+            <a:p>
+              <a:endParaRPr lang="en-CA"/>
+            </a:p>
+          </p:txBody>
         </p:sp>
         <p:sp>
           <p:nvSpPr>
@@ -1252,7 +2460,7 @@
             </a:ln>
             <a:extLst>
               <a:ext uri="{91240B29-F687-4f45-9708-019B960494DF}">
-                <a14:hiddenLine xmlns:a14="http://schemas.microsoft.com/office/drawing/2010/main" xmlns="" w="9525">
+                <a14:hiddenLine xmlns="" xmlns:a14="http://schemas.microsoft.com/office/drawing/2010/main" w="9525">
                   <a:solidFill>
                     <a:srgbClr val="000000"/>
                   </a:solidFill>
@@ -1263,6 +2471,13 @@
               </a:ext>
             </a:extLst>
           </p:spPr>
+          <p:txBody>
+            <a:bodyPr/>
+            <a:lstStyle/>
+            <a:p>
+              <a:endParaRPr lang="en-CA"/>
+            </a:p>
+          </p:txBody>
         </p:sp>
         <p:sp>
           <p:nvSpPr>
@@ -1314,7 +2529,7 @@
             </a:ln>
             <a:extLst>
               <a:ext uri="{91240B29-F687-4f45-9708-019B960494DF}">
-                <a14:hiddenLine xmlns:a14="http://schemas.microsoft.com/office/drawing/2010/main" xmlns="" w="9525">
+                <a14:hiddenLine xmlns="" xmlns:a14="http://schemas.microsoft.com/office/drawing/2010/main" w="9525">
                   <a:solidFill>
                     <a:srgbClr val="000000"/>
                   </a:solidFill>
@@ -1325,6 +2540,13 @@
               </a:ext>
             </a:extLst>
           </p:spPr>
+          <p:txBody>
+            <a:bodyPr/>
+            <a:lstStyle/>
+            <a:p>
+              <a:endParaRPr lang="en-CA"/>
+            </a:p>
+          </p:txBody>
         </p:sp>
         <p:sp>
           <p:nvSpPr>
@@ -1376,7 +2598,7 @@
             </a:ln>
             <a:extLst>
               <a:ext uri="{91240B29-F687-4f45-9708-019B960494DF}">
-                <a14:hiddenLine xmlns:a14="http://schemas.microsoft.com/office/drawing/2010/main" xmlns="" w="9525">
+                <a14:hiddenLine xmlns="" xmlns:a14="http://schemas.microsoft.com/office/drawing/2010/main" w="9525">
                   <a:solidFill>
                     <a:srgbClr val="000000"/>
                   </a:solidFill>
@@ -1387,6 +2609,13 @@
               </a:ext>
             </a:extLst>
           </p:spPr>
+          <p:txBody>
+            <a:bodyPr/>
+            <a:lstStyle/>
+            <a:p>
+              <a:endParaRPr lang="en-CA"/>
+            </a:p>
+          </p:txBody>
         </p:sp>
         <p:sp>
           <p:nvSpPr>
@@ -1466,7 +2695,7 @@
             </a:ln>
             <a:extLst>
               <a:ext uri="{91240B29-F687-4f45-9708-019B960494DF}">
-                <a14:hiddenLine xmlns:a14="http://schemas.microsoft.com/office/drawing/2010/main" xmlns="" w="9525">
+                <a14:hiddenLine xmlns="" xmlns:a14="http://schemas.microsoft.com/office/drawing/2010/main" w="9525">
                   <a:solidFill>
                     <a:srgbClr val="000000"/>
                   </a:solidFill>
@@ -1477,6 +2706,13 @@
               </a:ext>
             </a:extLst>
           </p:spPr>
+          <p:txBody>
+            <a:bodyPr/>
+            <a:lstStyle/>
+            <a:p>
+              <a:endParaRPr lang="en-CA"/>
+            </a:p>
+          </p:txBody>
         </p:sp>
         <p:sp>
           <p:nvSpPr>
@@ -1528,7 +2764,7 @@
             </a:ln>
             <a:extLst>
               <a:ext uri="{91240B29-F687-4f45-9708-019B960494DF}">
-                <a14:hiddenLine xmlns:a14="http://schemas.microsoft.com/office/drawing/2010/main" xmlns="" w="9525">
+                <a14:hiddenLine xmlns="" xmlns:a14="http://schemas.microsoft.com/office/drawing/2010/main" w="9525">
                   <a:solidFill>
                     <a:srgbClr val="000000"/>
                   </a:solidFill>
@@ -1539,6 +2775,13 @@
               </a:ext>
             </a:extLst>
           </p:spPr>
+          <p:txBody>
+            <a:bodyPr/>
+            <a:lstStyle/>
+            <a:p>
+              <a:endParaRPr lang="en-CA"/>
+            </a:p>
+          </p:txBody>
         </p:sp>
         <p:sp>
           <p:nvSpPr>
@@ -1590,7 +2833,7 @@
             </a:ln>
             <a:extLst>
               <a:ext uri="{91240B29-F687-4f45-9708-019B960494DF}">
-                <a14:hiddenLine xmlns:a14="http://schemas.microsoft.com/office/drawing/2010/main" xmlns="" w="9525">
+                <a14:hiddenLine xmlns="" xmlns:a14="http://schemas.microsoft.com/office/drawing/2010/main" w="9525">
                   <a:solidFill>
                     <a:srgbClr val="000000"/>
                   </a:solidFill>
@@ -1601,6 +2844,13 @@
               </a:ext>
             </a:extLst>
           </p:spPr>
+          <p:txBody>
+            <a:bodyPr/>
+            <a:lstStyle/>
+            <a:p>
+              <a:endParaRPr lang="en-CA"/>
+            </a:p>
+          </p:txBody>
         </p:sp>
         <p:sp>
           <p:nvSpPr>
@@ -1680,7 +2930,7 @@
             </a:ln>
             <a:extLst>
               <a:ext uri="{91240B29-F687-4f45-9708-019B960494DF}">
-                <a14:hiddenLine xmlns:a14="http://schemas.microsoft.com/office/drawing/2010/main" xmlns="" w="9525">
+                <a14:hiddenLine xmlns="" xmlns:a14="http://schemas.microsoft.com/office/drawing/2010/main" w="9525">
                   <a:solidFill>
                     <a:srgbClr val="000000"/>
                   </a:solidFill>
@@ -1691,6 +2941,13 @@
               </a:ext>
             </a:extLst>
           </p:spPr>
+          <p:txBody>
+            <a:bodyPr/>
+            <a:lstStyle/>
+            <a:p>
+              <a:endParaRPr lang="en-CA"/>
+            </a:p>
+          </p:txBody>
         </p:sp>
         <p:sp>
           <p:nvSpPr>
@@ -1770,7 +3027,7 @@
             </a:ln>
             <a:extLst>
               <a:ext uri="{91240B29-F687-4f45-9708-019B960494DF}">
-                <a14:hiddenLine xmlns:a14="http://schemas.microsoft.com/office/drawing/2010/main" xmlns="" w="9525">
+                <a14:hiddenLine xmlns="" xmlns:a14="http://schemas.microsoft.com/office/drawing/2010/main" w="9525">
                   <a:solidFill>
                     <a:srgbClr val="000000"/>
                   </a:solidFill>
@@ -1781,6 +3038,13 @@
               </a:ext>
             </a:extLst>
           </p:spPr>
+          <p:txBody>
+            <a:bodyPr/>
+            <a:lstStyle/>
+            <a:p>
+              <a:endParaRPr lang="en-CA"/>
+            </a:p>
+          </p:txBody>
         </p:sp>
         <p:sp>
           <p:nvSpPr>
@@ -1832,7 +3096,7 @@
             </a:ln>
             <a:extLst>
               <a:ext uri="{91240B29-F687-4f45-9708-019B960494DF}">
-                <a14:hiddenLine xmlns:a14="http://schemas.microsoft.com/office/drawing/2010/main" xmlns="" w="9525">
+                <a14:hiddenLine xmlns="" xmlns:a14="http://schemas.microsoft.com/office/drawing/2010/main" w="9525">
                   <a:solidFill>
                     <a:srgbClr val="000000"/>
                   </a:solidFill>
@@ -1843,6 +3107,13 @@
               </a:ext>
             </a:extLst>
           </p:spPr>
+          <p:txBody>
+            <a:bodyPr/>
+            <a:lstStyle/>
+            <a:p>
+              <a:endParaRPr lang="en-CA"/>
+            </a:p>
+          </p:txBody>
         </p:sp>
         <p:sp>
           <p:nvSpPr>
@@ -1942,7 +3213,7 @@
             </a:ln>
             <a:extLst>
               <a:ext uri="{91240B29-F687-4f45-9708-019B960494DF}">
-                <a14:hiddenLine xmlns:a14="http://schemas.microsoft.com/office/drawing/2010/main" xmlns="" w="9525">
+                <a14:hiddenLine xmlns="" xmlns:a14="http://schemas.microsoft.com/office/drawing/2010/main" w="9525">
                   <a:solidFill>
                     <a:srgbClr val="000000"/>
                   </a:solidFill>
@@ -1953,6 +3224,13 @@
               </a:ext>
             </a:extLst>
           </p:spPr>
+          <p:txBody>
+            <a:bodyPr/>
+            <a:lstStyle/>
+            <a:p>
+              <a:endParaRPr lang="en-CA"/>
+            </a:p>
+          </p:txBody>
         </p:sp>
         <p:sp>
           <p:nvSpPr>
@@ -2004,7 +3282,7 @@
             </a:ln>
             <a:extLst>
               <a:ext uri="{91240B29-F687-4f45-9708-019B960494DF}">
-                <a14:hiddenLine xmlns:a14="http://schemas.microsoft.com/office/drawing/2010/main" xmlns="" w="9525">
+                <a14:hiddenLine xmlns="" xmlns:a14="http://schemas.microsoft.com/office/drawing/2010/main" w="9525">
                   <a:solidFill>
                     <a:srgbClr val="000000"/>
                   </a:solidFill>
@@ -2015,6 +3293,13 @@
               </a:ext>
             </a:extLst>
           </p:spPr>
+          <p:txBody>
+            <a:bodyPr/>
+            <a:lstStyle/>
+            <a:p>
+              <a:endParaRPr lang="en-CA"/>
+            </a:p>
+          </p:txBody>
         </p:sp>
         <p:sp>
           <p:nvSpPr>
@@ -2094,7 +3379,7 @@
             </a:ln>
             <a:extLst>
               <a:ext uri="{91240B29-F687-4f45-9708-019B960494DF}">
-                <a14:hiddenLine xmlns:a14="http://schemas.microsoft.com/office/drawing/2010/main" xmlns="" w="9525">
+                <a14:hiddenLine xmlns="" xmlns:a14="http://schemas.microsoft.com/office/drawing/2010/main" w="9525">
                   <a:solidFill>
                     <a:srgbClr val="000000"/>
                   </a:solidFill>
@@ -2105,6 +3390,13 @@
               </a:ext>
             </a:extLst>
           </p:spPr>
+          <p:txBody>
+            <a:bodyPr/>
+            <a:lstStyle/>
+            <a:p>
+              <a:endParaRPr lang="en-CA"/>
+            </a:p>
+          </p:txBody>
         </p:sp>
         <p:sp>
           <p:nvSpPr>
@@ -2184,7 +3476,7 @@
             </a:ln>
             <a:extLst>
               <a:ext uri="{91240B29-F687-4f45-9708-019B960494DF}">
-                <a14:hiddenLine xmlns:a14="http://schemas.microsoft.com/office/drawing/2010/main" xmlns="" w="9525">
+                <a14:hiddenLine xmlns="" xmlns:a14="http://schemas.microsoft.com/office/drawing/2010/main" w="9525">
                   <a:solidFill>
                     <a:srgbClr val="000000"/>
                   </a:solidFill>
@@ -2195,6 +3487,13 @@
               </a:ext>
             </a:extLst>
           </p:spPr>
+          <p:txBody>
+            <a:bodyPr/>
+            <a:lstStyle/>
+            <a:p>
+              <a:endParaRPr lang="en-CA"/>
+            </a:p>
+          </p:txBody>
         </p:sp>
         <p:sp>
           <p:nvSpPr>
@@ -2246,7 +3545,7 @@
             </a:ln>
             <a:extLst>
               <a:ext uri="{91240B29-F687-4f45-9708-019B960494DF}">
-                <a14:hiddenLine xmlns:a14="http://schemas.microsoft.com/office/drawing/2010/main" xmlns="" w="9525">
+                <a14:hiddenLine xmlns="" xmlns:a14="http://schemas.microsoft.com/office/drawing/2010/main" w="9525">
                   <a:solidFill>
                     <a:srgbClr val="000000"/>
                   </a:solidFill>
@@ -2257,6 +3556,13 @@
               </a:ext>
             </a:extLst>
           </p:spPr>
+          <p:txBody>
+            <a:bodyPr/>
+            <a:lstStyle/>
+            <a:p>
+              <a:endParaRPr lang="en-CA"/>
+            </a:p>
+          </p:txBody>
         </p:sp>
         <p:sp>
           <p:nvSpPr>
@@ -2336,7 +3642,7 @@
             </a:ln>
             <a:extLst>
               <a:ext uri="{91240B29-F687-4f45-9708-019B960494DF}">
-                <a14:hiddenLine xmlns:a14="http://schemas.microsoft.com/office/drawing/2010/main" xmlns="" w="9525">
+                <a14:hiddenLine xmlns="" xmlns:a14="http://schemas.microsoft.com/office/drawing/2010/main" w="9525">
                   <a:solidFill>
                     <a:srgbClr val="000000"/>
                   </a:solidFill>
@@ -2347,6 +3653,13 @@
               </a:ext>
             </a:extLst>
           </p:spPr>
+          <p:txBody>
+            <a:bodyPr/>
+            <a:lstStyle/>
+            <a:p>
+              <a:endParaRPr lang="en-CA"/>
+            </a:p>
+          </p:txBody>
         </p:sp>
         <p:sp>
           <p:nvSpPr>
@@ -2426,7 +3739,7 @@
             </a:ln>
             <a:extLst>
               <a:ext uri="{91240B29-F687-4f45-9708-019B960494DF}">
-                <a14:hiddenLine xmlns:a14="http://schemas.microsoft.com/office/drawing/2010/main" xmlns="" w="9525">
+                <a14:hiddenLine xmlns="" xmlns:a14="http://schemas.microsoft.com/office/drawing/2010/main" w="9525">
                   <a:solidFill>
                     <a:srgbClr val="000000"/>
                   </a:solidFill>
@@ -2437,6 +3750,13 @@
               </a:ext>
             </a:extLst>
           </p:spPr>
+          <p:txBody>
+            <a:bodyPr/>
+            <a:lstStyle/>
+            <a:p>
+              <a:endParaRPr lang="en-CA"/>
+            </a:p>
+          </p:txBody>
         </p:sp>
         <p:sp>
           <p:nvSpPr>
@@ -2482,7 +3802,7 @@
             </a:ln>
             <a:extLst>
               <a:ext uri="{91240B29-F687-4f45-9708-019B960494DF}">
-                <a14:hiddenLine xmlns:a14="http://schemas.microsoft.com/office/drawing/2010/main" xmlns="" w="9525">
+                <a14:hiddenLine xmlns="" xmlns:a14="http://schemas.microsoft.com/office/drawing/2010/main" w="9525">
                   <a:solidFill>
                     <a:srgbClr val="000000"/>
                   </a:solidFill>
@@ -2493,6 +3813,13 @@
               </a:ext>
             </a:extLst>
           </p:spPr>
+          <p:txBody>
+            <a:bodyPr/>
+            <a:lstStyle/>
+            <a:p>
+              <a:endParaRPr lang="en-CA"/>
+            </a:p>
+          </p:txBody>
         </p:sp>
         <p:sp>
           <p:nvSpPr>
@@ -2572,7 +3899,7 @@
             </a:ln>
             <a:extLst>
               <a:ext uri="{91240B29-F687-4f45-9708-019B960494DF}">
-                <a14:hiddenLine xmlns:a14="http://schemas.microsoft.com/office/drawing/2010/main" xmlns="" w="9525">
+                <a14:hiddenLine xmlns="" xmlns:a14="http://schemas.microsoft.com/office/drawing/2010/main" w="9525">
                   <a:solidFill>
                     <a:srgbClr val="000000"/>
                   </a:solidFill>
@@ -2583,6 +3910,13 @@
               </a:ext>
             </a:extLst>
           </p:spPr>
+          <p:txBody>
+            <a:bodyPr/>
+            <a:lstStyle/>
+            <a:p>
+              <a:endParaRPr lang="en-CA"/>
+            </a:p>
+          </p:txBody>
         </p:sp>
         <p:sp>
           <p:nvSpPr>
@@ -2628,7 +3962,7 @@
             </a:ln>
             <a:extLst>
               <a:ext uri="{91240B29-F687-4f45-9708-019B960494DF}">
-                <a14:hiddenLine xmlns:a14="http://schemas.microsoft.com/office/drawing/2010/main" xmlns="" w="9525">
+                <a14:hiddenLine xmlns="" xmlns:a14="http://schemas.microsoft.com/office/drawing/2010/main" w="9525">
                   <a:solidFill>
                     <a:srgbClr val="000000"/>
                   </a:solidFill>
@@ -2639,6 +3973,13 @@
               </a:ext>
             </a:extLst>
           </p:spPr>
+          <p:txBody>
+            <a:bodyPr/>
+            <a:lstStyle/>
+            <a:p>
+              <a:endParaRPr lang="en-CA"/>
+            </a:p>
+          </p:txBody>
         </p:sp>
         <p:sp>
           <p:nvSpPr>
@@ -2718,7 +4059,7 @@
             </a:ln>
             <a:extLst>
               <a:ext uri="{91240B29-F687-4f45-9708-019B960494DF}">
-                <a14:hiddenLine xmlns:a14="http://schemas.microsoft.com/office/drawing/2010/main" xmlns="" w="9525">
+                <a14:hiddenLine xmlns="" xmlns:a14="http://schemas.microsoft.com/office/drawing/2010/main" w="9525">
                   <a:solidFill>
                     <a:srgbClr val="000000"/>
                   </a:solidFill>
@@ -2729,6 +4070,13 @@
               </a:ext>
             </a:extLst>
           </p:spPr>
+          <p:txBody>
+            <a:bodyPr/>
+            <a:lstStyle/>
+            <a:p>
+              <a:endParaRPr lang="en-CA"/>
+            </a:p>
+          </p:txBody>
         </p:sp>
         <p:sp>
           <p:nvSpPr>
@@ -2786,7 +4134,7 @@
             </a:ln>
             <a:extLst>
               <a:ext uri="{91240B29-F687-4f45-9708-019B960494DF}">
-                <a14:hiddenLine xmlns:a14="http://schemas.microsoft.com/office/drawing/2010/main" xmlns="" w="9525">
+                <a14:hiddenLine xmlns="" xmlns:a14="http://schemas.microsoft.com/office/drawing/2010/main" w="9525">
                   <a:solidFill>
                     <a:srgbClr val="000000"/>
                   </a:solidFill>
@@ -2797,6 +4145,13 @@
               </a:ext>
             </a:extLst>
           </p:spPr>
+          <p:txBody>
+            <a:bodyPr/>
+            <a:lstStyle/>
+            <a:p>
+              <a:endParaRPr lang="en-CA"/>
+            </a:p>
+          </p:txBody>
         </p:sp>
         <p:sp>
           <p:nvSpPr>
@@ -2876,7 +4231,7 @@
             </a:ln>
             <a:extLst>
               <a:ext uri="{91240B29-F687-4f45-9708-019B960494DF}">
-                <a14:hiddenLine xmlns:a14="http://schemas.microsoft.com/office/drawing/2010/main" xmlns="" w="9525">
+                <a14:hiddenLine xmlns="" xmlns:a14="http://schemas.microsoft.com/office/drawing/2010/main" w="9525">
                   <a:solidFill>
                     <a:srgbClr val="000000"/>
                   </a:solidFill>
@@ -2887,6 +4242,13 @@
               </a:ext>
             </a:extLst>
           </p:spPr>
+          <p:txBody>
+            <a:bodyPr/>
+            <a:lstStyle/>
+            <a:p>
+              <a:endParaRPr lang="en-CA"/>
+            </a:p>
+          </p:txBody>
         </p:sp>
         <p:sp>
           <p:nvSpPr>
@@ -2944,7 +4306,7 @@
             </a:ln>
             <a:extLst>
               <a:ext uri="{91240B29-F687-4f45-9708-019B960494DF}">
-                <a14:hiddenLine xmlns:a14="http://schemas.microsoft.com/office/drawing/2010/main" xmlns="" w="9525">
+                <a14:hiddenLine xmlns="" xmlns:a14="http://schemas.microsoft.com/office/drawing/2010/main" w="9525">
                   <a:solidFill>
                     <a:srgbClr val="000000"/>
                   </a:solidFill>
@@ -2955,6 +4317,13 @@
               </a:ext>
             </a:extLst>
           </p:spPr>
+          <p:txBody>
+            <a:bodyPr/>
+            <a:lstStyle/>
+            <a:p>
+              <a:endParaRPr lang="en-CA"/>
+            </a:p>
+          </p:txBody>
         </p:sp>
         <p:sp>
           <p:nvSpPr>
@@ -3034,7 +4403,7 @@
             </a:ln>
             <a:extLst>
               <a:ext uri="{91240B29-F687-4f45-9708-019B960494DF}">
-                <a14:hiddenLine xmlns:a14="http://schemas.microsoft.com/office/drawing/2010/main" xmlns="" w="9525">
+                <a14:hiddenLine xmlns="" xmlns:a14="http://schemas.microsoft.com/office/drawing/2010/main" w="9525">
                   <a:solidFill>
                     <a:srgbClr val="000000"/>
                   </a:solidFill>
@@ -3045,6 +4414,13 @@
               </a:ext>
             </a:extLst>
           </p:spPr>
+          <p:txBody>
+            <a:bodyPr/>
+            <a:lstStyle/>
+            <a:p>
+              <a:endParaRPr lang="en-CA"/>
+            </a:p>
+          </p:txBody>
         </p:sp>
         <p:sp>
           <p:nvSpPr>
@@ -3068,7 +4444,7 @@
             </a:ln>
             <a:extLst>
               <a:ext uri="{91240B29-F687-4f45-9708-019B960494DF}">
-                <a14:hiddenLine xmlns:a14="http://schemas.microsoft.com/office/drawing/2010/main" xmlns="" w="9525">
+                <a14:hiddenLine xmlns="" xmlns:a14="http://schemas.microsoft.com/office/drawing/2010/main" w="9525">
                   <a:solidFill>
                     <a:srgbClr val="000000"/>
                   </a:solidFill>
@@ -3079,6 +4455,13 @@
               </a:ext>
             </a:extLst>
           </p:spPr>
+          <p:txBody>
+            <a:bodyPr/>
+            <a:lstStyle/>
+            <a:p>
+              <a:endParaRPr lang="en-CA"/>
+            </a:p>
+          </p:txBody>
         </p:sp>
         <p:sp>
           <p:nvSpPr>
@@ -3158,7 +4541,7 @@
             </a:ln>
             <a:extLst>
               <a:ext uri="{91240B29-F687-4f45-9708-019B960494DF}">
-                <a14:hiddenLine xmlns:a14="http://schemas.microsoft.com/office/drawing/2010/main" xmlns="" w="9525">
+                <a14:hiddenLine xmlns="" xmlns:a14="http://schemas.microsoft.com/office/drawing/2010/main" w="9525">
                   <a:solidFill>
                     <a:srgbClr val="000000"/>
                   </a:solidFill>
@@ -3169,6 +4552,13 @@
               </a:ext>
             </a:extLst>
           </p:spPr>
+          <p:txBody>
+            <a:bodyPr/>
+            <a:lstStyle/>
+            <a:p>
+              <a:endParaRPr lang="en-CA"/>
+            </a:p>
+          </p:txBody>
         </p:sp>
         <p:sp>
           <p:nvSpPr>
@@ -3220,7 +4610,7 @@
             </a:ln>
             <a:extLst>
               <a:ext uri="{91240B29-F687-4f45-9708-019B960494DF}">
-                <a14:hiddenLine xmlns:a14="http://schemas.microsoft.com/office/drawing/2010/main" xmlns="" w="9525">
+                <a14:hiddenLine xmlns="" xmlns:a14="http://schemas.microsoft.com/office/drawing/2010/main" w="9525">
                   <a:solidFill>
                     <a:srgbClr val="000000"/>
                   </a:solidFill>
@@ -3231,6 +4621,13 @@
               </a:ext>
             </a:extLst>
           </p:spPr>
+          <p:txBody>
+            <a:bodyPr/>
+            <a:lstStyle/>
+            <a:p>
+              <a:endParaRPr lang="en-CA"/>
+            </a:p>
+          </p:txBody>
         </p:sp>
         <p:sp>
           <p:nvSpPr>
@@ -3282,7 +4679,7 @@
             </a:ln>
             <a:extLst>
               <a:ext uri="{91240B29-F687-4f45-9708-019B960494DF}">
-                <a14:hiddenLine xmlns:a14="http://schemas.microsoft.com/office/drawing/2010/main" xmlns="" w="9525">
+                <a14:hiddenLine xmlns="" xmlns:a14="http://schemas.microsoft.com/office/drawing/2010/main" w="9525">
                   <a:solidFill>
                     <a:srgbClr val="000000"/>
                   </a:solidFill>
@@ -3293,6 +4690,13 @@
               </a:ext>
             </a:extLst>
           </p:spPr>
+          <p:txBody>
+            <a:bodyPr/>
+            <a:lstStyle/>
+            <a:p>
+              <a:endParaRPr lang="en-CA"/>
+            </a:p>
+          </p:txBody>
         </p:sp>
         <p:sp>
           <p:nvSpPr>
@@ -3372,7 +4776,7 @@
             </a:ln>
             <a:extLst>
               <a:ext uri="{91240B29-F687-4f45-9708-019B960494DF}">
-                <a14:hiddenLine xmlns:a14="http://schemas.microsoft.com/office/drawing/2010/main" xmlns="" w="9525">
+                <a14:hiddenLine xmlns="" xmlns:a14="http://schemas.microsoft.com/office/drawing/2010/main" w="9525">
                   <a:solidFill>
                     <a:srgbClr val="000000"/>
                   </a:solidFill>
@@ -3383,6 +4787,13 @@
               </a:ext>
             </a:extLst>
           </p:spPr>
+          <p:txBody>
+            <a:bodyPr/>
+            <a:lstStyle/>
+            <a:p>
+              <a:endParaRPr lang="en-CA"/>
+            </a:p>
+          </p:txBody>
         </p:sp>
         <p:sp>
           <p:nvSpPr>
@@ -3440,7 +4851,7 @@
             </a:ln>
             <a:extLst>
               <a:ext uri="{91240B29-F687-4f45-9708-019B960494DF}">
-                <a14:hiddenLine xmlns:a14="http://schemas.microsoft.com/office/drawing/2010/main" xmlns="" w="9525">
+                <a14:hiddenLine xmlns="" xmlns:a14="http://schemas.microsoft.com/office/drawing/2010/main" w="9525">
                   <a:solidFill>
                     <a:srgbClr val="000000"/>
                   </a:solidFill>
@@ -3451,6 +4862,13 @@
               </a:ext>
             </a:extLst>
           </p:spPr>
+          <p:txBody>
+            <a:bodyPr/>
+            <a:lstStyle/>
+            <a:p>
+              <a:endParaRPr lang="en-CA"/>
+            </a:p>
+          </p:txBody>
         </p:sp>
         <p:sp>
           <p:nvSpPr>
@@ -3502,7 +4920,7 @@
             </a:ln>
             <a:extLst>
               <a:ext uri="{91240B29-F687-4f45-9708-019B960494DF}">
-                <a14:hiddenLine xmlns:a14="http://schemas.microsoft.com/office/drawing/2010/main" xmlns="" w="9525">
+                <a14:hiddenLine xmlns="" xmlns:a14="http://schemas.microsoft.com/office/drawing/2010/main" w="9525">
                   <a:solidFill>
                     <a:srgbClr val="000000"/>
                   </a:solidFill>
@@ -3513,6 +4931,13 @@
               </a:ext>
             </a:extLst>
           </p:spPr>
+          <p:txBody>
+            <a:bodyPr/>
+            <a:lstStyle/>
+            <a:p>
+              <a:endParaRPr lang="en-CA"/>
+            </a:p>
+          </p:txBody>
         </p:sp>
         <p:sp>
           <p:nvSpPr>
@@ -3592,7 +5017,7 @@
             </a:ln>
             <a:extLst>
               <a:ext uri="{91240B29-F687-4f45-9708-019B960494DF}">
-                <a14:hiddenLine xmlns:a14="http://schemas.microsoft.com/office/drawing/2010/main" xmlns="" w="9525">
+                <a14:hiddenLine xmlns="" xmlns:a14="http://schemas.microsoft.com/office/drawing/2010/main" w="9525">
                   <a:solidFill>
                     <a:srgbClr val="000000"/>
                   </a:solidFill>
@@ -3603,6 +5028,13 @@
               </a:ext>
             </a:extLst>
           </p:spPr>
+          <p:txBody>
+            <a:bodyPr/>
+            <a:lstStyle/>
+            <a:p>
+              <a:endParaRPr lang="en-CA"/>
+            </a:p>
+          </p:txBody>
         </p:sp>
         <p:sp>
           <p:nvSpPr>
@@ -3654,7 +5086,7 @@
             </a:ln>
             <a:extLst>
               <a:ext uri="{91240B29-F687-4f45-9708-019B960494DF}">
-                <a14:hiddenLine xmlns:a14="http://schemas.microsoft.com/office/drawing/2010/main" xmlns="" w="9525">
+                <a14:hiddenLine xmlns="" xmlns:a14="http://schemas.microsoft.com/office/drawing/2010/main" w="9525">
                   <a:solidFill>
                     <a:srgbClr val="000000"/>
                   </a:solidFill>
@@ -3665,6 +5097,13 @@
               </a:ext>
             </a:extLst>
           </p:spPr>
+          <p:txBody>
+            <a:bodyPr/>
+            <a:lstStyle/>
+            <a:p>
+              <a:endParaRPr lang="en-CA"/>
+            </a:p>
+          </p:txBody>
         </p:sp>
         <p:sp>
           <p:nvSpPr>
@@ -3744,7 +5183,7 @@
             </a:ln>
             <a:extLst>
               <a:ext uri="{91240B29-F687-4f45-9708-019B960494DF}">
-                <a14:hiddenLine xmlns:a14="http://schemas.microsoft.com/office/drawing/2010/main" xmlns="" w="9525">
+                <a14:hiddenLine xmlns="" xmlns:a14="http://schemas.microsoft.com/office/drawing/2010/main" w="9525">
                   <a:solidFill>
                     <a:srgbClr val="000000"/>
                   </a:solidFill>
@@ -3755,6 +5194,13 @@
               </a:ext>
             </a:extLst>
           </p:spPr>
+          <p:txBody>
+            <a:bodyPr/>
+            <a:lstStyle/>
+            <a:p>
+              <a:endParaRPr lang="en-CA"/>
+            </a:p>
+          </p:txBody>
         </p:sp>
         <p:sp>
           <p:nvSpPr>
@@ -3806,7 +5252,7 @@
             </a:ln>
             <a:extLst>
               <a:ext uri="{91240B29-F687-4f45-9708-019B960494DF}">
-                <a14:hiddenLine xmlns:a14="http://schemas.microsoft.com/office/drawing/2010/main" xmlns="" w="9525">
+                <a14:hiddenLine xmlns="" xmlns:a14="http://schemas.microsoft.com/office/drawing/2010/main" w="9525">
                   <a:solidFill>
                     <a:srgbClr val="000000"/>
                   </a:solidFill>
@@ -3817,6 +5263,13 @@
               </a:ext>
             </a:extLst>
           </p:spPr>
+          <p:txBody>
+            <a:bodyPr/>
+            <a:lstStyle/>
+            <a:p>
+              <a:endParaRPr lang="en-CA"/>
+            </a:p>
+          </p:txBody>
         </p:sp>
         <p:sp>
           <p:nvSpPr>
@@ -3896,7 +5349,7 @@
             </a:ln>
             <a:extLst>
               <a:ext uri="{91240B29-F687-4f45-9708-019B960494DF}">
-                <a14:hiddenLine xmlns:a14="http://schemas.microsoft.com/office/drawing/2010/main" xmlns="" w="9525">
+                <a14:hiddenLine xmlns="" xmlns:a14="http://schemas.microsoft.com/office/drawing/2010/main" w="9525">
                   <a:solidFill>
                     <a:srgbClr val="000000"/>
                   </a:solidFill>
@@ -3907,6 +5360,13 @@
               </a:ext>
             </a:extLst>
           </p:spPr>
+          <p:txBody>
+            <a:bodyPr/>
+            <a:lstStyle/>
+            <a:p>
+              <a:endParaRPr lang="en-CA"/>
+            </a:p>
+          </p:txBody>
         </p:sp>
         <p:sp>
           <p:nvSpPr>
@@ -3930,7 +5390,7 @@
             </a:ln>
             <a:extLst>
               <a:ext uri="{91240B29-F687-4f45-9708-019B960494DF}">
-                <a14:hiddenLine xmlns:a14="http://schemas.microsoft.com/office/drawing/2010/main" xmlns="" w="9525">
+                <a14:hiddenLine xmlns="" xmlns:a14="http://schemas.microsoft.com/office/drawing/2010/main" w="9525">
                   <a:solidFill>
                     <a:srgbClr val="000000"/>
                   </a:solidFill>
@@ -3941,6 +5401,13 @@
               </a:ext>
             </a:extLst>
           </p:spPr>
+          <p:txBody>
+            <a:bodyPr/>
+            <a:lstStyle/>
+            <a:p>
+              <a:endParaRPr lang="en-CA"/>
+            </a:p>
+          </p:txBody>
         </p:sp>
         <p:sp>
           <p:nvSpPr>
@@ -3995,7 +5462,7 @@
             </a:ln>
             <a:extLst>
               <a:ext uri="{91240B29-F687-4f45-9708-019B960494DF}">
-                <a14:hiddenLine xmlns:a14="http://schemas.microsoft.com/office/drawing/2010/main" xmlns="" w="9525">
+                <a14:hiddenLine xmlns="" xmlns:a14="http://schemas.microsoft.com/office/drawing/2010/main" w="9525">
                   <a:solidFill>
                     <a:srgbClr val="000000"/>
                   </a:solidFill>
@@ -4006,6 +5473,13 @@
               </a:ext>
             </a:extLst>
           </p:spPr>
+          <p:txBody>
+            <a:bodyPr/>
+            <a:lstStyle/>
+            <a:p>
+              <a:endParaRPr lang="en-CA"/>
+            </a:p>
+          </p:txBody>
         </p:sp>
         <p:sp>
           <p:nvSpPr>
@@ -4085,7 +5559,7 @@
             </a:ln>
             <a:extLst>
               <a:ext uri="{91240B29-F687-4f45-9708-019B960494DF}">
-                <a14:hiddenLine xmlns:a14="http://schemas.microsoft.com/office/drawing/2010/main" xmlns="" w="9525">
+                <a14:hiddenLine xmlns="" xmlns:a14="http://schemas.microsoft.com/office/drawing/2010/main" w="9525">
                   <a:solidFill>
                     <a:srgbClr val="000000"/>
                   </a:solidFill>
@@ -4096,6 +5570,13 @@
               </a:ext>
             </a:extLst>
           </p:spPr>
+          <p:txBody>
+            <a:bodyPr/>
+            <a:lstStyle/>
+            <a:p>
+              <a:endParaRPr lang="en-CA"/>
+            </a:p>
+          </p:txBody>
         </p:sp>
         <p:sp>
           <p:nvSpPr>
@@ -4147,7 +5628,7 @@
             </a:ln>
             <a:extLst>
               <a:ext uri="{91240B29-F687-4f45-9708-019B960494DF}">
-                <a14:hiddenLine xmlns:a14="http://schemas.microsoft.com/office/drawing/2010/main" xmlns="" w="9525">
+                <a14:hiddenLine xmlns="" xmlns:a14="http://schemas.microsoft.com/office/drawing/2010/main" w="9525">
                   <a:solidFill>
                     <a:srgbClr val="000000"/>
                   </a:solidFill>
@@ -4158,6 +5639,13 @@
               </a:ext>
             </a:extLst>
           </p:spPr>
+          <p:txBody>
+            <a:bodyPr/>
+            <a:lstStyle/>
+            <a:p>
+              <a:endParaRPr lang="en-CA"/>
+            </a:p>
+          </p:txBody>
         </p:sp>
         <p:sp>
           <p:nvSpPr>
@@ -4237,7 +5725,7 @@
             </a:ln>
             <a:extLst>
               <a:ext uri="{91240B29-F687-4f45-9708-019B960494DF}">
-                <a14:hiddenLine xmlns:a14="http://schemas.microsoft.com/office/drawing/2010/main" xmlns="" w="9525">
+                <a14:hiddenLine xmlns="" xmlns:a14="http://schemas.microsoft.com/office/drawing/2010/main" w="9525">
                   <a:solidFill>
                     <a:srgbClr val="000000"/>
                   </a:solidFill>
@@ -4248,6 +5736,13 @@
               </a:ext>
             </a:extLst>
           </p:spPr>
+          <p:txBody>
+            <a:bodyPr/>
+            <a:lstStyle/>
+            <a:p>
+              <a:endParaRPr lang="en-CA"/>
+            </a:p>
+          </p:txBody>
         </p:sp>
         <p:sp>
           <p:nvSpPr>
@@ -4327,7 +5822,7 @@
             </a:ln>
             <a:extLst>
               <a:ext uri="{91240B29-F687-4f45-9708-019B960494DF}">
-                <a14:hiddenLine xmlns:a14="http://schemas.microsoft.com/office/drawing/2010/main" xmlns="" w="9525">
+                <a14:hiddenLine xmlns="" xmlns:a14="http://schemas.microsoft.com/office/drawing/2010/main" w="9525">
                   <a:solidFill>
                     <a:srgbClr val="000000"/>
                   </a:solidFill>
@@ -4338,6 +5833,13 @@
               </a:ext>
             </a:extLst>
           </p:spPr>
+          <p:txBody>
+            <a:bodyPr/>
+            <a:lstStyle/>
+            <a:p>
+              <a:endParaRPr lang="en-CA"/>
+            </a:p>
+          </p:txBody>
         </p:sp>
         <p:sp>
           <p:nvSpPr>
@@ -4392,7 +5894,7 @@
             </a:ln>
             <a:extLst>
               <a:ext uri="{91240B29-F687-4f45-9708-019B960494DF}">
-                <a14:hiddenLine xmlns:a14="http://schemas.microsoft.com/office/drawing/2010/main" xmlns="" w="9525">
+                <a14:hiddenLine xmlns="" xmlns:a14="http://schemas.microsoft.com/office/drawing/2010/main" w="9525">
                   <a:solidFill>
                     <a:srgbClr val="000000"/>
                   </a:solidFill>
@@ -4403,6 +5905,13 @@
               </a:ext>
             </a:extLst>
           </p:spPr>
+          <p:txBody>
+            <a:bodyPr/>
+            <a:lstStyle/>
+            <a:p>
+              <a:endParaRPr lang="en-CA"/>
+            </a:p>
+          </p:txBody>
         </p:sp>
         <p:sp>
           <p:nvSpPr>
@@ -4454,7 +5963,7 @@
             </a:ln>
             <a:extLst>
               <a:ext uri="{91240B29-F687-4f45-9708-019B960494DF}">
-                <a14:hiddenLine xmlns:a14="http://schemas.microsoft.com/office/drawing/2010/main" xmlns="" w="9525">
+                <a14:hiddenLine xmlns="" xmlns:a14="http://schemas.microsoft.com/office/drawing/2010/main" w="9525">
                   <a:solidFill>
                     <a:srgbClr val="000000"/>
                   </a:solidFill>
@@ -4465,6 +5974,13 @@
               </a:ext>
             </a:extLst>
           </p:spPr>
+          <p:txBody>
+            <a:bodyPr/>
+            <a:lstStyle/>
+            <a:p>
+              <a:endParaRPr lang="en-CA"/>
+            </a:p>
+          </p:txBody>
         </p:sp>
         <p:sp>
           <p:nvSpPr>
@@ -4544,7 +6060,7 @@
             </a:ln>
             <a:extLst>
               <a:ext uri="{91240B29-F687-4f45-9708-019B960494DF}">
-                <a14:hiddenLine xmlns:a14="http://schemas.microsoft.com/office/drawing/2010/main" xmlns="" w="9525">
+                <a14:hiddenLine xmlns="" xmlns:a14="http://schemas.microsoft.com/office/drawing/2010/main" w="9525">
                   <a:solidFill>
                     <a:srgbClr val="000000"/>
                   </a:solidFill>
@@ -4555,6 +6071,13 @@
               </a:ext>
             </a:extLst>
           </p:spPr>
+          <p:txBody>
+            <a:bodyPr/>
+            <a:lstStyle/>
+            <a:p>
+              <a:endParaRPr lang="en-CA"/>
+            </a:p>
+          </p:txBody>
         </p:sp>
         <p:sp>
           <p:nvSpPr>
@@ -4634,7 +6157,7 @@
             </a:ln>
             <a:extLst>
               <a:ext uri="{91240B29-F687-4f45-9708-019B960494DF}">
-                <a14:hiddenLine xmlns:a14="http://schemas.microsoft.com/office/drawing/2010/main" xmlns="" w="9525">
+                <a14:hiddenLine xmlns="" xmlns:a14="http://schemas.microsoft.com/office/drawing/2010/main" w="9525">
                   <a:solidFill>
                     <a:srgbClr val="000000"/>
                   </a:solidFill>
@@ -4645,6 +6168,13 @@
               </a:ext>
             </a:extLst>
           </p:spPr>
+          <p:txBody>
+            <a:bodyPr/>
+            <a:lstStyle/>
+            <a:p>
+              <a:endParaRPr lang="en-CA"/>
+            </a:p>
+          </p:txBody>
         </p:sp>
         <p:sp>
           <p:nvSpPr>
@@ -4696,7 +6226,7 @@
             </a:ln>
             <a:extLst>
               <a:ext uri="{91240B29-F687-4f45-9708-019B960494DF}">
-                <a14:hiddenLine xmlns:a14="http://schemas.microsoft.com/office/drawing/2010/main" xmlns="" w="9525">
+                <a14:hiddenLine xmlns="" xmlns:a14="http://schemas.microsoft.com/office/drawing/2010/main" w="9525">
                   <a:solidFill>
                     <a:srgbClr val="000000"/>
                   </a:solidFill>
@@ -4707,6 +6237,13 @@
               </a:ext>
             </a:extLst>
           </p:spPr>
+          <p:txBody>
+            <a:bodyPr/>
+            <a:lstStyle/>
+            <a:p>
+              <a:endParaRPr lang="en-CA"/>
+            </a:p>
+          </p:txBody>
         </p:sp>
         <p:sp>
           <p:nvSpPr>
@@ -4816,7 +6353,7 @@
             </a:ln>
             <a:extLst>
               <a:ext uri="{91240B29-F687-4f45-9708-019B960494DF}">
-                <a14:hiddenLine xmlns:a14="http://schemas.microsoft.com/office/drawing/2010/main" xmlns="" w="9525">
+                <a14:hiddenLine xmlns="" xmlns:a14="http://schemas.microsoft.com/office/drawing/2010/main" w="9525">
                   <a:solidFill>
                     <a:srgbClr val="000000"/>
                   </a:solidFill>
@@ -4827,6 +6364,13 @@
               </a:ext>
             </a:extLst>
           </p:spPr>
+          <p:txBody>
+            <a:bodyPr/>
+            <a:lstStyle/>
+            <a:p>
+              <a:endParaRPr lang="en-CA"/>
+            </a:p>
+          </p:txBody>
         </p:sp>
         <p:sp>
           <p:nvSpPr>
@@ -4884,7 +6428,7 @@
             </a:ln>
             <a:extLst>
               <a:ext uri="{91240B29-F687-4f45-9708-019B960494DF}">
-                <a14:hiddenLine xmlns:a14="http://schemas.microsoft.com/office/drawing/2010/main" xmlns="" w="9525">
+                <a14:hiddenLine xmlns="" xmlns:a14="http://schemas.microsoft.com/office/drawing/2010/main" w="9525">
                   <a:solidFill>
                     <a:srgbClr val="000000"/>
                   </a:solidFill>
@@ -4895,6 +6439,13 @@
               </a:ext>
             </a:extLst>
           </p:spPr>
+          <p:txBody>
+            <a:bodyPr/>
+            <a:lstStyle/>
+            <a:p>
+              <a:endParaRPr lang="en-CA"/>
+            </a:p>
+          </p:txBody>
         </p:sp>
         <p:sp>
           <p:nvSpPr>
@@ -4974,7 +6525,7 @@
             </a:ln>
             <a:extLst>
               <a:ext uri="{91240B29-F687-4f45-9708-019B960494DF}">
-                <a14:hiddenLine xmlns:a14="http://schemas.microsoft.com/office/drawing/2010/main" xmlns="" w="9525">
+                <a14:hiddenLine xmlns="" xmlns:a14="http://schemas.microsoft.com/office/drawing/2010/main" w="9525">
                   <a:solidFill>
                     <a:srgbClr val="000000"/>
                   </a:solidFill>
@@ -4985,6 +6536,13 @@
               </a:ext>
             </a:extLst>
           </p:spPr>
+          <p:txBody>
+            <a:bodyPr/>
+            <a:lstStyle/>
+            <a:p>
+              <a:endParaRPr lang="en-CA"/>
+            </a:p>
+          </p:txBody>
         </p:sp>
       </p:grpSp>
       <p:sp>
@@ -9788,7 +11346,7 @@
           <a:noFill/>
           <a:extLst>
             <a:ext uri="{909E8E84-426E-40dd-AFC4-6F175D3DCCD1}">
-              <a14:hiddenFill xmlns:a14="http://schemas.microsoft.com/office/drawing/2010/main" xmlns="">
+              <a14:hiddenFill xmlns="" xmlns:a14="http://schemas.microsoft.com/office/drawing/2010/main">
                 <a:solidFill>
                   <a:srgbClr val="FFFFFF"/>
                 </a:solidFill>
@@ -9862,7 +11420,7 @@
               </a:ln>
               <a:extLst>
                 <a:ext uri="{91240B29-F687-4f45-9708-019B960494DF}">
-                  <a14:hiddenLine xmlns:a14="http://schemas.microsoft.com/office/drawing/2010/main" xmlns="" w="9525">
+                  <a14:hiddenLine xmlns="" xmlns:a14="http://schemas.microsoft.com/office/drawing/2010/main" w="9525">
                     <a:solidFill>
                       <a:srgbClr val="000000"/>
                     </a:solidFill>
@@ -9873,6 +11431,13 @@
                 </a:ext>
               </a:extLst>
             </p:spPr>
+            <p:txBody>
+              <a:bodyPr/>
+              <a:lstStyle/>
+              <a:p>
+                <a:endParaRPr lang="en-CA"/>
+              </a:p>
+            </p:txBody>
           </p:sp>
           <p:sp>
             <p:nvSpPr>
@@ -9952,7 +11517,7 @@
               </a:ln>
               <a:extLst>
                 <a:ext uri="{91240B29-F687-4f45-9708-019B960494DF}">
-                  <a14:hiddenLine xmlns:a14="http://schemas.microsoft.com/office/drawing/2010/main" xmlns="" w="9525">
+                  <a14:hiddenLine xmlns="" xmlns:a14="http://schemas.microsoft.com/office/drawing/2010/main" w="9525">
                     <a:solidFill>
                       <a:srgbClr val="000000"/>
                     </a:solidFill>
@@ -9963,6 +11528,13 @@
                 </a:ext>
               </a:extLst>
             </p:spPr>
+            <p:txBody>
+              <a:bodyPr/>
+              <a:lstStyle/>
+              <a:p>
+                <a:endParaRPr lang="en-CA"/>
+              </a:p>
+            </p:txBody>
           </p:sp>
           <p:sp>
             <p:nvSpPr>
@@ -10042,7 +11614,7 @@
               </a:ln>
               <a:extLst>
                 <a:ext uri="{91240B29-F687-4f45-9708-019B960494DF}">
-                  <a14:hiddenLine xmlns:a14="http://schemas.microsoft.com/office/drawing/2010/main" xmlns="" w="9525">
+                  <a14:hiddenLine xmlns="" xmlns:a14="http://schemas.microsoft.com/office/drawing/2010/main" w="9525">
                     <a:solidFill>
                       <a:srgbClr val="000000"/>
                     </a:solidFill>
@@ -10053,6 +11625,13 @@
                 </a:ext>
               </a:extLst>
             </p:spPr>
+            <p:txBody>
+              <a:bodyPr/>
+              <a:lstStyle/>
+              <a:p>
+                <a:endParaRPr lang="en-CA"/>
+              </a:p>
+            </p:txBody>
           </p:sp>
           <p:sp>
             <p:nvSpPr>
@@ -10104,7 +11683,7 @@
               </a:ln>
               <a:extLst>
                 <a:ext uri="{91240B29-F687-4f45-9708-019B960494DF}">
-                  <a14:hiddenLine xmlns:a14="http://schemas.microsoft.com/office/drawing/2010/main" xmlns="" w="9525">
+                  <a14:hiddenLine xmlns="" xmlns:a14="http://schemas.microsoft.com/office/drawing/2010/main" w="9525">
                     <a:solidFill>
                       <a:srgbClr val="000000"/>
                     </a:solidFill>
@@ -10115,6 +11694,13 @@
                 </a:ext>
               </a:extLst>
             </p:spPr>
+            <p:txBody>
+              <a:bodyPr/>
+              <a:lstStyle/>
+              <a:p>
+                <a:endParaRPr lang="en-CA"/>
+              </a:p>
+            </p:txBody>
           </p:sp>
           <p:sp>
             <p:nvSpPr>
@@ -10194,7 +11780,7 @@
               </a:ln>
               <a:extLst>
                 <a:ext uri="{91240B29-F687-4f45-9708-019B960494DF}">
-                  <a14:hiddenLine xmlns:a14="http://schemas.microsoft.com/office/drawing/2010/main" xmlns="" w="9525">
+                  <a14:hiddenLine xmlns="" xmlns:a14="http://schemas.microsoft.com/office/drawing/2010/main" w="9525">
                     <a:solidFill>
                       <a:srgbClr val="000000"/>
                     </a:solidFill>
@@ -10205,6 +11791,13 @@
                 </a:ext>
               </a:extLst>
             </p:spPr>
+            <p:txBody>
+              <a:bodyPr/>
+              <a:lstStyle/>
+              <a:p>
+                <a:endParaRPr lang="en-CA"/>
+              </a:p>
+            </p:txBody>
           </p:sp>
           <p:sp>
             <p:nvSpPr>
@@ -10256,7 +11849,7 @@
               </a:ln>
               <a:extLst>
                 <a:ext uri="{91240B29-F687-4f45-9708-019B960494DF}">
-                  <a14:hiddenLine xmlns:a14="http://schemas.microsoft.com/office/drawing/2010/main" xmlns="" w="9525">
+                  <a14:hiddenLine xmlns="" xmlns:a14="http://schemas.microsoft.com/office/drawing/2010/main" w="9525">
                     <a:solidFill>
                       <a:srgbClr val="000000"/>
                     </a:solidFill>
@@ -10267,6 +11860,13 @@
                 </a:ext>
               </a:extLst>
             </p:spPr>
+            <p:txBody>
+              <a:bodyPr/>
+              <a:lstStyle/>
+              <a:p>
+                <a:endParaRPr lang="en-CA"/>
+              </a:p>
+            </p:txBody>
           </p:sp>
           <p:sp>
             <p:nvSpPr>
@@ -10318,7 +11918,7 @@
               </a:ln>
               <a:extLst>
                 <a:ext uri="{91240B29-F687-4f45-9708-019B960494DF}">
-                  <a14:hiddenLine xmlns:a14="http://schemas.microsoft.com/office/drawing/2010/main" xmlns="" w="9525">
+                  <a14:hiddenLine xmlns="" xmlns:a14="http://schemas.microsoft.com/office/drawing/2010/main" w="9525">
                     <a:solidFill>
                       <a:srgbClr val="000000"/>
                     </a:solidFill>
@@ -10329,6 +11929,13 @@
                 </a:ext>
               </a:extLst>
             </p:spPr>
+            <p:txBody>
+              <a:bodyPr/>
+              <a:lstStyle/>
+              <a:p>
+                <a:endParaRPr lang="en-CA"/>
+              </a:p>
+            </p:txBody>
           </p:sp>
           <p:sp>
             <p:nvSpPr>
@@ -10408,7 +12015,7 @@
               </a:ln>
               <a:extLst>
                 <a:ext uri="{91240B29-F687-4f45-9708-019B960494DF}">
-                  <a14:hiddenLine xmlns:a14="http://schemas.microsoft.com/office/drawing/2010/main" xmlns="" w="9525">
+                  <a14:hiddenLine xmlns="" xmlns:a14="http://schemas.microsoft.com/office/drawing/2010/main" w="9525">
                     <a:solidFill>
                       <a:srgbClr val="000000"/>
                     </a:solidFill>
@@ -10419,6 +12026,13 @@
                 </a:ext>
               </a:extLst>
             </p:spPr>
+            <p:txBody>
+              <a:bodyPr/>
+              <a:lstStyle/>
+              <a:p>
+                <a:endParaRPr lang="en-CA"/>
+              </a:p>
+            </p:txBody>
           </p:sp>
           <p:sp>
             <p:nvSpPr>
@@ -10498,7 +12112,7 @@
               </a:ln>
               <a:extLst>
                 <a:ext uri="{91240B29-F687-4f45-9708-019B960494DF}">
-                  <a14:hiddenLine xmlns:a14="http://schemas.microsoft.com/office/drawing/2010/main" xmlns="" w="9525">
+                  <a14:hiddenLine xmlns="" xmlns:a14="http://schemas.microsoft.com/office/drawing/2010/main" w="9525">
                     <a:solidFill>
                       <a:srgbClr val="000000"/>
                     </a:solidFill>
@@ -10509,6 +12123,13 @@
                 </a:ext>
               </a:extLst>
             </p:spPr>
+            <p:txBody>
+              <a:bodyPr/>
+              <a:lstStyle/>
+              <a:p>
+                <a:endParaRPr lang="en-CA"/>
+              </a:p>
+            </p:txBody>
           </p:sp>
           <p:sp>
             <p:nvSpPr>
@@ -10560,7 +12181,7 @@
               </a:ln>
               <a:extLst>
                 <a:ext uri="{91240B29-F687-4f45-9708-019B960494DF}">
-                  <a14:hiddenLine xmlns:a14="http://schemas.microsoft.com/office/drawing/2010/main" xmlns="" w="9525">
+                  <a14:hiddenLine xmlns="" xmlns:a14="http://schemas.microsoft.com/office/drawing/2010/main" w="9525">
                     <a:solidFill>
                       <a:srgbClr val="000000"/>
                     </a:solidFill>
@@ -10571,6 +12192,13 @@
                 </a:ext>
               </a:extLst>
             </p:spPr>
+            <p:txBody>
+              <a:bodyPr/>
+              <a:lstStyle/>
+              <a:p>
+                <a:endParaRPr lang="en-CA"/>
+              </a:p>
+            </p:txBody>
           </p:sp>
           <p:sp>
             <p:nvSpPr>
@@ -10670,7 +12298,7 @@
               </a:ln>
               <a:extLst>
                 <a:ext uri="{91240B29-F687-4f45-9708-019B960494DF}">
-                  <a14:hiddenLine xmlns:a14="http://schemas.microsoft.com/office/drawing/2010/main" xmlns="" w="9525">
+                  <a14:hiddenLine xmlns="" xmlns:a14="http://schemas.microsoft.com/office/drawing/2010/main" w="9525">
                     <a:solidFill>
                       <a:srgbClr val="000000"/>
                     </a:solidFill>
@@ -10681,6 +12309,13 @@
                 </a:ext>
               </a:extLst>
             </p:spPr>
+            <p:txBody>
+              <a:bodyPr/>
+              <a:lstStyle/>
+              <a:p>
+                <a:endParaRPr lang="en-CA"/>
+              </a:p>
+            </p:txBody>
           </p:sp>
           <p:sp>
             <p:nvSpPr>
@@ -10709,6 +12344,13 @@
                 <a:tailEnd/>
               </a:ln>
             </p:spPr>
+            <p:txBody>
+              <a:bodyPr/>
+              <a:lstStyle/>
+              <a:p>
+                <a:endParaRPr lang="en-CA"/>
+              </a:p>
+            </p:txBody>
           </p:sp>
           <p:sp>
             <p:nvSpPr>
@@ -10754,7 +12396,7 @@
               </a:ln>
               <a:extLst>
                 <a:ext uri="{91240B29-F687-4f45-9708-019B960494DF}">
-                  <a14:hiddenLine xmlns:a14="http://schemas.microsoft.com/office/drawing/2010/main" xmlns="" w="9525">
+                  <a14:hiddenLine xmlns="" xmlns:a14="http://schemas.microsoft.com/office/drawing/2010/main" w="9525">
                     <a:solidFill>
                       <a:srgbClr val="000000"/>
                     </a:solidFill>
@@ -10765,6 +12407,13 @@
                 </a:ext>
               </a:extLst>
             </p:spPr>
+            <p:txBody>
+              <a:bodyPr/>
+              <a:lstStyle/>
+              <a:p>
+                <a:endParaRPr lang="en-CA"/>
+              </a:p>
+            </p:txBody>
           </p:sp>
           <p:sp>
             <p:nvSpPr>
@@ -10816,7 +12465,7 @@
               </a:ln>
               <a:extLst>
                 <a:ext uri="{91240B29-F687-4f45-9708-019B960494DF}">
-                  <a14:hiddenLine xmlns:a14="http://schemas.microsoft.com/office/drawing/2010/main" xmlns="" w="9525">
+                  <a14:hiddenLine xmlns="" xmlns:a14="http://schemas.microsoft.com/office/drawing/2010/main" w="9525">
                     <a:solidFill>
                       <a:srgbClr val="000000"/>
                     </a:solidFill>
@@ -10827,6 +12476,13 @@
                 </a:ext>
               </a:extLst>
             </p:spPr>
+            <p:txBody>
+              <a:bodyPr/>
+              <a:lstStyle/>
+              <a:p>
+                <a:endParaRPr lang="en-CA"/>
+              </a:p>
+            </p:txBody>
           </p:sp>
           <p:sp>
             <p:nvSpPr>
@@ -10878,7 +12534,7 @@
               </a:ln>
               <a:extLst>
                 <a:ext uri="{91240B29-F687-4f45-9708-019B960494DF}">
-                  <a14:hiddenLine xmlns:a14="http://schemas.microsoft.com/office/drawing/2010/main" xmlns="" w="9525">
+                  <a14:hiddenLine xmlns="" xmlns:a14="http://schemas.microsoft.com/office/drawing/2010/main" w="9525">
                     <a:solidFill>
                       <a:srgbClr val="000000"/>
                     </a:solidFill>
@@ -10889,6 +12545,13 @@
                 </a:ext>
               </a:extLst>
             </p:spPr>
+            <p:txBody>
+              <a:bodyPr/>
+              <a:lstStyle/>
+              <a:p>
+                <a:endParaRPr lang="en-CA"/>
+              </a:p>
+            </p:txBody>
           </p:sp>
           <p:sp>
             <p:nvSpPr>
@@ -10968,7 +12631,7 @@
               </a:ln>
               <a:extLst>
                 <a:ext uri="{91240B29-F687-4f45-9708-019B960494DF}">
-                  <a14:hiddenLine xmlns:a14="http://schemas.microsoft.com/office/drawing/2010/main" xmlns="" w="9525">
+                  <a14:hiddenLine xmlns="" xmlns:a14="http://schemas.microsoft.com/office/drawing/2010/main" w="9525">
                     <a:solidFill>
                       <a:srgbClr val="000000"/>
                     </a:solidFill>
@@ -10979,6 +12642,13 @@
                 </a:ext>
               </a:extLst>
             </p:spPr>
+            <p:txBody>
+              <a:bodyPr/>
+              <a:lstStyle/>
+              <a:p>
+                <a:endParaRPr lang="en-CA"/>
+              </a:p>
+            </p:txBody>
           </p:sp>
           <p:sp>
             <p:nvSpPr>
@@ -11002,7 +12672,7 @@
               </a:ln>
               <a:extLst>
                 <a:ext uri="{91240B29-F687-4f45-9708-019B960494DF}">
-                  <a14:hiddenLine xmlns:a14="http://schemas.microsoft.com/office/drawing/2010/main" xmlns="" w="9525">
+                  <a14:hiddenLine xmlns="" xmlns:a14="http://schemas.microsoft.com/office/drawing/2010/main" w="9525">
                     <a:solidFill>
                       <a:srgbClr val="000000"/>
                     </a:solidFill>
@@ -11013,6 +12683,13 @@
                 </a:ext>
               </a:extLst>
             </p:spPr>
+            <p:txBody>
+              <a:bodyPr/>
+              <a:lstStyle/>
+              <a:p>
+                <a:endParaRPr lang="en-CA"/>
+              </a:p>
+            </p:txBody>
           </p:sp>
           <p:sp>
             <p:nvSpPr>
@@ -11067,7 +12744,7 @@
               </a:ln>
               <a:extLst>
                 <a:ext uri="{91240B29-F687-4f45-9708-019B960494DF}">
-                  <a14:hiddenLine xmlns:a14="http://schemas.microsoft.com/office/drawing/2010/main" xmlns="" w="9525">
+                  <a14:hiddenLine xmlns="" xmlns:a14="http://schemas.microsoft.com/office/drawing/2010/main" w="9525">
                     <a:solidFill>
                       <a:srgbClr val="000000"/>
                     </a:solidFill>
@@ -11078,6 +12755,13 @@
                 </a:ext>
               </a:extLst>
             </p:spPr>
+            <p:txBody>
+              <a:bodyPr/>
+              <a:lstStyle/>
+              <a:p>
+                <a:endParaRPr lang="en-CA"/>
+              </a:p>
+            </p:txBody>
           </p:sp>
           <p:sp>
             <p:nvSpPr>
@@ -11157,7 +12841,7 @@
               </a:ln>
               <a:extLst>
                 <a:ext uri="{91240B29-F687-4f45-9708-019B960494DF}">
-                  <a14:hiddenLine xmlns:a14="http://schemas.microsoft.com/office/drawing/2010/main" xmlns="" w="9525">
+                  <a14:hiddenLine xmlns="" xmlns:a14="http://schemas.microsoft.com/office/drawing/2010/main" w="9525">
                     <a:solidFill>
                       <a:srgbClr val="000000"/>
                     </a:solidFill>
@@ -11168,6 +12852,13 @@
                 </a:ext>
               </a:extLst>
             </p:spPr>
+            <p:txBody>
+              <a:bodyPr/>
+              <a:lstStyle/>
+              <a:p>
+                <a:endParaRPr lang="en-CA"/>
+              </a:p>
+            </p:txBody>
           </p:sp>
           <p:sp>
             <p:nvSpPr>
@@ -11219,7 +12910,7 @@
               </a:ln>
               <a:extLst>
                 <a:ext uri="{91240B29-F687-4f45-9708-019B960494DF}">
-                  <a14:hiddenLine xmlns:a14="http://schemas.microsoft.com/office/drawing/2010/main" xmlns="" w="9525">
+                  <a14:hiddenLine xmlns="" xmlns:a14="http://schemas.microsoft.com/office/drawing/2010/main" w="9525">
                     <a:solidFill>
                       <a:srgbClr val="000000"/>
                     </a:solidFill>
@@ -11230,6 +12921,13 @@
                 </a:ext>
               </a:extLst>
             </p:spPr>
+            <p:txBody>
+              <a:bodyPr/>
+              <a:lstStyle/>
+              <a:p>
+                <a:endParaRPr lang="en-CA"/>
+              </a:p>
+            </p:txBody>
           </p:sp>
           <p:sp>
             <p:nvSpPr>
@@ -11309,7 +13007,7 @@
               </a:ln>
               <a:extLst>
                 <a:ext uri="{91240B29-F687-4f45-9708-019B960494DF}">
-                  <a14:hiddenLine xmlns:a14="http://schemas.microsoft.com/office/drawing/2010/main" xmlns="" w="9525">
+                  <a14:hiddenLine xmlns="" xmlns:a14="http://schemas.microsoft.com/office/drawing/2010/main" w="9525">
                     <a:solidFill>
                       <a:srgbClr val="000000"/>
                     </a:solidFill>
@@ -11320,6 +13018,13 @@
                 </a:ext>
               </a:extLst>
             </p:spPr>
+            <p:txBody>
+              <a:bodyPr/>
+              <a:lstStyle/>
+              <a:p>
+                <a:endParaRPr lang="en-CA"/>
+              </a:p>
+            </p:txBody>
           </p:sp>
           <p:sp>
             <p:nvSpPr>
@@ -11374,7 +13079,7 @@
               </a:ln>
               <a:extLst>
                 <a:ext uri="{91240B29-F687-4f45-9708-019B960494DF}">
-                  <a14:hiddenLine xmlns:a14="http://schemas.microsoft.com/office/drawing/2010/main" xmlns="" w="9525">
+                  <a14:hiddenLine xmlns="" xmlns:a14="http://schemas.microsoft.com/office/drawing/2010/main" w="9525">
                     <a:solidFill>
                       <a:srgbClr val="000000"/>
                     </a:solidFill>
@@ -11385,6 +13090,13 @@
                 </a:ext>
               </a:extLst>
             </p:spPr>
+            <p:txBody>
+              <a:bodyPr/>
+              <a:lstStyle/>
+              <a:p>
+                <a:endParaRPr lang="en-CA"/>
+              </a:p>
+            </p:txBody>
           </p:sp>
           <p:sp>
             <p:nvSpPr>
@@ -11436,7 +13148,7 @@
               </a:ln>
               <a:extLst>
                 <a:ext uri="{91240B29-F687-4f45-9708-019B960494DF}">
-                  <a14:hiddenLine xmlns:a14="http://schemas.microsoft.com/office/drawing/2010/main" xmlns="" w="9525">
+                  <a14:hiddenLine xmlns="" xmlns:a14="http://schemas.microsoft.com/office/drawing/2010/main" w="9525">
                     <a:solidFill>
                       <a:srgbClr val="000000"/>
                     </a:solidFill>
@@ -11447,6 +13159,13 @@
                 </a:ext>
               </a:extLst>
             </p:spPr>
+            <p:txBody>
+              <a:bodyPr/>
+              <a:lstStyle/>
+              <a:p>
+                <a:endParaRPr lang="en-CA"/>
+              </a:p>
+            </p:txBody>
           </p:sp>
           <p:sp>
             <p:nvSpPr>
@@ -11526,7 +13245,7 @@
               </a:ln>
               <a:extLst>
                 <a:ext uri="{91240B29-F687-4f45-9708-019B960494DF}">
-                  <a14:hiddenLine xmlns:a14="http://schemas.microsoft.com/office/drawing/2010/main" xmlns="" w="9525">
+                  <a14:hiddenLine xmlns="" xmlns:a14="http://schemas.microsoft.com/office/drawing/2010/main" w="9525">
                     <a:solidFill>
                       <a:srgbClr val="000000"/>
                     </a:solidFill>
@@ -11537,6 +13256,13 @@
                 </a:ext>
               </a:extLst>
             </p:spPr>
+            <p:txBody>
+              <a:bodyPr/>
+              <a:lstStyle/>
+              <a:p>
+                <a:endParaRPr lang="en-CA"/>
+              </a:p>
+            </p:txBody>
           </p:sp>
           <p:sp>
             <p:nvSpPr>
@@ -11616,7 +13342,7 @@
               </a:ln>
               <a:extLst>
                 <a:ext uri="{91240B29-F687-4f45-9708-019B960494DF}">
-                  <a14:hiddenLine xmlns:a14="http://schemas.microsoft.com/office/drawing/2010/main" xmlns="" w="9525">
+                  <a14:hiddenLine xmlns="" xmlns:a14="http://schemas.microsoft.com/office/drawing/2010/main" w="9525">
                     <a:solidFill>
                       <a:srgbClr val="000000"/>
                     </a:solidFill>
@@ -11627,6 +13353,13 @@
                 </a:ext>
               </a:extLst>
             </p:spPr>
+            <p:txBody>
+              <a:bodyPr/>
+              <a:lstStyle/>
+              <a:p>
+                <a:endParaRPr lang="en-CA"/>
+              </a:p>
+            </p:txBody>
           </p:sp>
           <p:sp>
             <p:nvSpPr>
@@ -11681,7 +13414,7 @@
               </a:ln>
               <a:extLst>
                 <a:ext uri="{91240B29-F687-4f45-9708-019B960494DF}">
-                  <a14:hiddenLine xmlns:a14="http://schemas.microsoft.com/office/drawing/2010/main" xmlns="" w="9525">
+                  <a14:hiddenLine xmlns="" xmlns:a14="http://schemas.microsoft.com/office/drawing/2010/main" w="9525">
                     <a:solidFill>
                       <a:srgbClr val="000000"/>
                     </a:solidFill>
@@ -11692,6 +13425,13 @@
                 </a:ext>
               </a:extLst>
             </p:spPr>
+            <p:txBody>
+              <a:bodyPr/>
+              <a:lstStyle/>
+              <a:p>
+                <a:endParaRPr lang="en-CA"/>
+              </a:p>
+            </p:txBody>
           </p:sp>
           <p:sp>
             <p:nvSpPr>
@@ -11801,7 +13541,7 @@
               </a:ln>
               <a:extLst>
                 <a:ext uri="{91240B29-F687-4f45-9708-019B960494DF}">
-                  <a14:hiddenLine xmlns:a14="http://schemas.microsoft.com/office/drawing/2010/main" xmlns="" w="9525">
+                  <a14:hiddenLine xmlns="" xmlns:a14="http://schemas.microsoft.com/office/drawing/2010/main" w="9525">
                     <a:solidFill>
                       <a:srgbClr val="000000"/>
                     </a:solidFill>
@@ -11812,6 +13552,13 @@
                 </a:ext>
               </a:extLst>
             </p:spPr>
+            <p:txBody>
+              <a:bodyPr/>
+              <a:lstStyle/>
+              <a:p>
+                <a:endParaRPr lang="en-CA"/>
+              </a:p>
+            </p:txBody>
           </p:sp>
         </p:grpSp>
         <p:grpSp>
@@ -11882,7 +13629,7 @@
               </a:ln>
               <a:extLst>
                 <a:ext uri="{91240B29-F687-4f45-9708-019B960494DF}">
-                  <a14:hiddenLine xmlns:a14="http://schemas.microsoft.com/office/drawing/2010/main" xmlns="" w="9525">
+                  <a14:hiddenLine xmlns="" xmlns:a14="http://schemas.microsoft.com/office/drawing/2010/main" w="9525">
                     <a:solidFill>
                       <a:srgbClr val="000000"/>
                     </a:solidFill>
@@ -11893,6 +13640,13 @@
                 </a:ext>
               </a:extLst>
             </p:spPr>
+            <p:txBody>
+              <a:bodyPr/>
+              <a:lstStyle/>
+              <a:p>
+                <a:endParaRPr lang="en-CA"/>
+              </a:p>
+            </p:txBody>
           </p:sp>
           <p:sp>
             <p:nvSpPr>
@@ -11997,7 +13751,7 @@
               </a:ln>
               <a:extLst>
                 <a:ext uri="{91240B29-F687-4f45-9708-019B960494DF}">
-                  <a14:hiddenLine xmlns:a14="http://schemas.microsoft.com/office/drawing/2010/main" xmlns="" w="9525">
+                  <a14:hiddenLine xmlns="" xmlns:a14="http://schemas.microsoft.com/office/drawing/2010/main" w="9525">
                     <a:solidFill>
                       <a:srgbClr val="000000"/>
                     </a:solidFill>
@@ -12008,6 +13762,13 @@
                 </a:ext>
               </a:extLst>
             </p:spPr>
+            <p:txBody>
+              <a:bodyPr/>
+              <a:lstStyle/>
+              <a:p>
+                <a:endParaRPr lang="en-CA"/>
+              </a:p>
+            </p:txBody>
           </p:sp>
           <p:sp>
             <p:nvSpPr>
@@ -12087,7 +13848,7 @@
               </a:ln>
               <a:extLst>
                 <a:ext uri="{91240B29-F687-4f45-9708-019B960494DF}">
-                  <a14:hiddenLine xmlns:a14="http://schemas.microsoft.com/office/drawing/2010/main" xmlns="" w="9525">
+                  <a14:hiddenLine xmlns="" xmlns:a14="http://schemas.microsoft.com/office/drawing/2010/main" w="9525">
                     <a:solidFill>
                       <a:srgbClr val="000000"/>
                     </a:solidFill>
@@ -12098,6 +13859,13 @@
                 </a:ext>
               </a:extLst>
             </p:spPr>
+            <p:txBody>
+              <a:bodyPr/>
+              <a:lstStyle/>
+              <a:p>
+                <a:endParaRPr lang="en-CA"/>
+              </a:p>
+            </p:txBody>
           </p:sp>
           <p:sp>
             <p:nvSpPr>
@@ -12152,7 +13920,7 @@
               </a:ln>
               <a:extLst>
                 <a:ext uri="{91240B29-F687-4f45-9708-019B960494DF}">
-                  <a14:hiddenLine xmlns:a14="http://schemas.microsoft.com/office/drawing/2010/main" xmlns="" w="9525">
+                  <a14:hiddenLine xmlns="" xmlns:a14="http://schemas.microsoft.com/office/drawing/2010/main" w="9525">
                     <a:solidFill>
                       <a:srgbClr val="000000"/>
                     </a:solidFill>
@@ -12163,6 +13931,13 @@
                 </a:ext>
               </a:extLst>
             </p:spPr>
+            <p:txBody>
+              <a:bodyPr/>
+              <a:lstStyle/>
+              <a:p>
+                <a:endParaRPr lang="en-CA"/>
+              </a:p>
+            </p:txBody>
           </p:sp>
           <p:sp>
             <p:nvSpPr>
@@ -12242,7 +14017,7 @@
               </a:ln>
               <a:extLst>
                 <a:ext uri="{91240B29-F687-4f45-9708-019B960494DF}">
-                  <a14:hiddenLine xmlns:a14="http://schemas.microsoft.com/office/drawing/2010/main" xmlns="" w="9525">
+                  <a14:hiddenLine xmlns="" xmlns:a14="http://schemas.microsoft.com/office/drawing/2010/main" w="9525">
                     <a:solidFill>
                       <a:srgbClr val="000000"/>
                     </a:solidFill>
@@ -12253,6 +14028,13 @@
                 </a:ext>
               </a:extLst>
             </p:spPr>
+            <p:txBody>
+              <a:bodyPr/>
+              <a:lstStyle/>
+              <a:p>
+                <a:endParaRPr lang="en-CA"/>
+              </a:p>
+            </p:txBody>
           </p:sp>
           <p:sp>
             <p:nvSpPr>
@@ -12310,7 +14092,7 @@
               </a:ln>
               <a:extLst>
                 <a:ext uri="{91240B29-F687-4f45-9708-019B960494DF}">
-                  <a14:hiddenLine xmlns:a14="http://schemas.microsoft.com/office/drawing/2010/main" xmlns="" w="9525">
+                  <a14:hiddenLine xmlns="" xmlns:a14="http://schemas.microsoft.com/office/drawing/2010/main" w="9525">
                     <a:solidFill>
                       <a:srgbClr val="000000"/>
                     </a:solidFill>
@@ -12321,6 +14103,13 @@
                 </a:ext>
               </a:extLst>
             </p:spPr>
+            <p:txBody>
+              <a:bodyPr/>
+              <a:lstStyle/>
+              <a:p>
+                <a:endParaRPr lang="en-CA"/>
+              </a:p>
+            </p:txBody>
           </p:sp>
           <p:sp>
             <p:nvSpPr>
@@ -12400,7 +14189,7 @@
               </a:ln>
               <a:extLst>
                 <a:ext uri="{91240B29-F687-4f45-9708-019B960494DF}">
-                  <a14:hiddenLine xmlns:a14="http://schemas.microsoft.com/office/drawing/2010/main" xmlns="" w="9525">
+                  <a14:hiddenLine xmlns="" xmlns:a14="http://schemas.microsoft.com/office/drawing/2010/main" w="9525">
                     <a:solidFill>
                       <a:srgbClr val="000000"/>
                     </a:solidFill>
@@ -12411,6 +14200,13 @@
                 </a:ext>
               </a:extLst>
             </p:spPr>
+            <p:txBody>
+              <a:bodyPr/>
+              <a:lstStyle/>
+              <a:p>
+                <a:endParaRPr lang="en-CA"/>
+              </a:p>
+            </p:txBody>
           </p:sp>
           <p:sp>
             <p:nvSpPr>
@@ -12468,7 +14264,7 @@
               </a:ln>
               <a:extLst>
                 <a:ext uri="{91240B29-F687-4f45-9708-019B960494DF}">
-                  <a14:hiddenLine xmlns:a14="http://schemas.microsoft.com/office/drawing/2010/main" xmlns="" w="9525">
+                  <a14:hiddenLine xmlns="" xmlns:a14="http://schemas.microsoft.com/office/drawing/2010/main" w="9525">
                     <a:solidFill>
                       <a:srgbClr val="000000"/>
                     </a:solidFill>
@@ -12479,6 +14275,13 @@
                 </a:ext>
               </a:extLst>
             </p:spPr>
+            <p:txBody>
+              <a:bodyPr/>
+              <a:lstStyle/>
+              <a:p>
+                <a:endParaRPr lang="en-CA"/>
+              </a:p>
+            </p:txBody>
           </p:sp>
           <p:sp>
             <p:nvSpPr>
@@ -12558,7 +14361,7 @@
               </a:ln>
               <a:extLst>
                 <a:ext uri="{91240B29-F687-4f45-9708-019B960494DF}">
-                  <a14:hiddenLine xmlns:a14="http://schemas.microsoft.com/office/drawing/2010/main" xmlns="" w="9525">
+                  <a14:hiddenLine xmlns="" xmlns:a14="http://schemas.microsoft.com/office/drawing/2010/main" w="9525">
                     <a:solidFill>
                       <a:srgbClr val="000000"/>
                     </a:solidFill>
@@ -12569,6 +14372,13 @@
                 </a:ext>
               </a:extLst>
             </p:spPr>
+            <p:txBody>
+              <a:bodyPr/>
+              <a:lstStyle/>
+              <a:p>
+                <a:endParaRPr lang="en-CA"/>
+              </a:p>
+            </p:txBody>
           </p:sp>
           <p:sp>
             <p:nvSpPr>
@@ -12592,7 +14402,7 @@
               </a:ln>
               <a:extLst>
                 <a:ext uri="{91240B29-F687-4f45-9708-019B960494DF}">
-                  <a14:hiddenLine xmlns:a14="http://schemas.microsoft.com/office/drawing/2010/main" xmlns="" w="9525">
+                  <a14:hiddenLine xmlns="" xmlns:a14="http://schemas.microsoft.com/office/drawing/2010/main" w="9525">
                     <a:solidFill>
                       <a:srgbClr val="000000"/>
                     </a:solidFill>
@@ -12603,6 +14413,13 @@
                 </a:ext>
               </a:extLst>
             </p:spPr>
+            <p:txBody>
+              <a:bodyPr/>
+              <a:lstStyle/>
+              <a:p>
+                <a:endParaRPr lang="en-CA"/>
+              </a:p>
+            </p:txBody>
           </p:sp>
         </p:grpSp>
       </p:grpSp>
@@ -13269,7 +15086,7 @@
           <a:p>
             <a:r>
               <a:rPr lang="en-US" dirty="0"/>
-              <a:t>Application – Lars Eller</a:t>
+              <a:t>Application – Lars Eller – 2017-18</a:t>
             </a:r>
             <a:endParaRPr lang="en-CA" dirty="0"/>
           </a:p>
@@ -13336,7 +15153,7 @@
           <p:nvPr/>
         </p:nvPicPr>
         <p:blipFill>
-          <a:blip r:embed="rId2">
+          <a:blip r:embed="rId3">
             <a:extLst>
               <a:ext uri="{28A0092B-C50C-407E-A947-70E740481C1C}">
                 <a14:useLocalDpi xmlns:a14="http://schemas.microsoft.com/office/drawing/2010/main" val="0"/>
@@ -13410,7 +15227,7 @@
           <a:p>
             <a:r>
               <a:rPr lang="en-US" dirty="0"/>
-              <a:t>Application – Jack Hughes</a:t>
+              <a:t>Application – Jack Hughes – 2024-25</a:t>
             </a:r>
             <a:endParaRPr lang="en-CA" dirty="0"/>
           </a:p>
@@ -13478,7 +15295,7 @@
           <p:nvPr/>
         </p:nvPicPr>
         <p:blipFill>
-          <a:blip r:embed="rId2">
+          <a:blip r:embed="rId3">
             <a:extLst>
               <a:ext uri="{28A0092B-C50C-407E-A947-70E740481C1C}">
                 <a14:useLocalDpi xmlns:a14="http://schemas.microsoft.com/office/drawing/2010/main" val="0"/>
@@ -13552,7 +15369,7 @@
           <a:p>
             <a:r>
               <a:rPr lang="en-US" dirty="0"/>
-              <a:t>Application – Jared McCann</a:t>
+              <a:t>Application – Jared McCann – 2024-45</a:t>
             </a:r>
             <a:endParaRPr lang="en-CA" dirty="0"/>
           </a:p>
@@ -13622,7 +15439,7 @@
           <p:nvPr/>
         </p:nvPicPr>
         <p:blipFill>
-          <a:blip r:embed="rId2">
+          <a:blip r:embed="rId3">
             <a:extLst>
               <a:ext uri="{28A0092B-C50C-407E-A947-70E740481C1C}">
                 <a14:useLocalDpi xmlns:a14="http://schemas.microsoft.com/office/drawing/2010/main" val="0"/>
@@ -13658,7 +15475,7 @@
           <p:nvPr/>
         </p:nvPicPr>
         <p:blipFill>
-          <a:blip r:embed="rId3">
+          <a:blip r:embed="rId4">
             <a:extLst>
               <a:ext uri="{28A0092B-C50C-407E-A947-70E740481C1C}">
                 <a14:useLocalDpi xmlns:a14="http://schemas.microsoft.com/office/drawing/2010/main" val="0"/>
@@ -13732,7 +15549,7 @@
           <a:p>
             <a:r>
               <a:rPr lang="en-US" dirty="0"/>
-              <a:t>Application – Rasmus Dahlin</a:t>
+              <a:t>Application – Rasmus Dahlin – 2024-25</a:t>
             </a:r>
             <a:endParaRPr lang="en-CA" dirty="0"/>
           </a:p>
@@ -13794,7 +15611,7 @@
           <p:nvPr/>
         </p:nvPicPr>
         <p:blipFill>
-          <a:blip r:embed="rId2">
+          <a:blip r:embed="rId3">
             <a:extLst>
               <a:ext uri="{28A0092B-C50C-407E-A947-70E740481C1C}">
                 <a14:useLocalDpi xmlns:a14="http://schemas.microsoft.com/office/drawing/2010/main" val="0"/>
@@ -13942,7 +15759,7 @@
           <p:nvPr/>
         </p:nvPicPr>
         <p:blipFill>
-          <a:blip r:embed="rId2">
+          <a:blip r:embed="rId3">
             <a:extLst>
               <a:ext uri="{28A0092B-C50C-407E-A947-70E740481C1C}">
                 <a14:useLocalDpi xmlns:a14="http://schemas.microsoft.com/office/drawing/2010/main" val="0"/>
@@ -13978,7 +15795,7 @@
           <p:nvPr/>
         </p:nvPicPr>
         <p:blipFill>
-          <a:blip r:embed="rId3">
+          <a:blip r:embed="rId4">
             <a:extLst>
               <a:ext uri="{28A0092B-C50C-407E-A947-70E740481C1C}">
                 <a14:useLocalDpi xmlns:a14="http://schemas.microsoft.com/office/drawing/2010/main" val="0"/>
@@ -14573,8 +16390,23 @@
           </a:xfrm>
         </p:spPr>
         <p:txBody>
-          <a:bodyPr/>
+          <a:bodyPr>
+            <a:normAutofit/>
+          </a:bodyPr>
           <a:lstStyle/>
+          <a:p>
+            <a:r>
+              <a:rPr lang="en-CA" dirty="0"/>
+              <a:t>Targets (y):</a:t>
+            </a:r>
+          </a:p>
+          <a:p>
+            <a:pPr lvl="1"/>
+            <a:r>
+              <a:rPr lang="en-US" dirty="0"/>
+              <a:t>Per game rates of goals, assists, shots on goal (SOG) for the next season and total games played</a:t>
+            </a:r>
+          </a:p>
           <a:p>
             <a:r>
               <a:rPr lang="en-US" dirty="0"/>
@@ -14585,7 +16417,7 @@
             <a:pPr lvl="1"/>
             <a:r>
               <a:rPr lang="en-US" dirty="0"/>
-              <a:t>Per game rates of goals, assists, shots on goal (SOG), as well as the shooting percentage for the current season and previous 2 seasons</a:t>
+              <a:t>Per game rates of goals, assists, shots on goal (SOG), as well as the shooting percentage and games played for the current season and previous 2 seasons</a:t>
             </a:r>
           </a:p>
           <a:p>
@@ -14594,20 +16426,6 @@
               <a:rPr lang="en-US" dirty="0"/>
               <a:t>Player info (position, age, experience, height, weight, BMI)</a:t>
             </a:r>
-          </a:p>
-          <a:p>
-            <a:r>
-              <a:rPr lang="en-CA" dirty="0"/>
-              <a:t>Targets (y):</a:t>
-            </a:r>
-          </a:p>
-          <a:p>
-            <a:pPr lvl="1"/>
-            <a:r>
-              <a:rPr lang="en-US" dirty="0"/>
-              <a:t>Per game rates of goals, assists, shots on goal (SOG) for the next season</a:t>
-            </a:r>
-            <a:endParaRPr lang="en-CA" dirty="0"/>
           </a:p>
         </p:txBody>
       </p:sp>
@@ -14626,7 +16444,7 @@
           <p:nvPr/>
         </p:nvPicPr>
         <p:blipFill>
-          <a:blip r:embed="rId2">
+          <a:blip r:embed="rId3">
             <a:extLst>
               <a:ext uri="{28A0092B-C50C-407E-A947-70E740481C1C}">
                 <a14:useLocalDpi xmlns:a14="http://schemas.microsoft.com/office/drawing/2010/main" val="0"/>
@@ -14639,7 +16457,7 @@
         </p:blipFill>
         <p:spPr>
           <a:xfrm>
-            <a:off x="8648241" y="618518"/>
+            <a:off x="8648241" y="1884880"/>
             <a:ext cx="2419474" cy="4197566"/>
           </a:xfrm>
           <a:prstGeom prst="rect">
@@ -14662,7 +16480,7 @@
           <p:nvPr/>
         </p:nvPicPr>
         <p:blipFill>
-          <a:blip r:embed="rId3">
+          <a:blip r:embed="rId4">
             <a:extLst>
               <a:ext uri="{28A0092B-C50C-407E-A947-70E740481C1C}">
                 <a14:useLocalDpi xmlns:a14="http://schemas.microsoft.com/office/drawing/2010/main" val="0"/>
@@ -14675,7 +16493,7 @@
         </p:blipFill>
         <p:spPr>
           <a:xfrm>
-            <a:off x="8648241" y="4816084"/>
+            <a:off x="8648241" y="830726"/>
             <a:ext cx="1847945" cy="1054154"/>
           </a:xfrm>
           <a:prstGeom prst="rect">
@@ -14811,7 +16629,7 @@
     <p:bg>
       <p:bgPr>
         <a:blipFill>
-          <a:blip r:embed="rId2">
+          <a:blip r:embed="rId3">
             <a:duotone>
               <a:schemeClr val="bg2">
                 <a:shade val="48000"/>
@@ -15241,7 +17059,7 @@
           <a:p>
             <a:r>
               <a:rPr lang="en-US" dirty="0"/>
-              <a:t>Application – Duncan Keith</a:t>
+              <a:t>Application – Duncan Keith – 2018-19</a:t>
             </a:r>
             <a:endParaRPr lang="en-CA" dirty="0"/>
           </a:p>
@@ -15305,7 +17123,7 @@
           <p:nvPr/>
         </p:nvPicPr>
         <p:blipFill>
-          <a:blip r:embed="rId2">
+          <a:blip r:embed="rId3">
             <a:extLst>
               <a:ext uri="{28A0092B-C50C-407E-A947-70E740481C1C}">
                 <a14:useLocalDpi xmlns:a14="http://schemas.microsoft.com/office/drawing/2010/main" val="0"/>
@@ -15379,7 +17197,7 @@
           <a:p>
             <a:r>
               <a:rPr lang="en-US" dirty="0"/>
-              <a:t>Application – Evgeni Malkin</a:t>
+              <a:t>Application – Evgeni Malkin – 2016-17</a:t>
             </a:r>
             <a:endParaRPr lang="en-CA" dirty="0"/>
           </a:p>
@@ -15448,7 +17266,7 @@
           <p:nvPr/>
         </p:nvPicPr>
         <p:blipFill>
-          <a:blip r:embed="rId2">
+          <a:blip r:embed="rId3">
             <a:extLst>
               <a:ext uri="{28A0092B-C50C-407E-A947-70E740481C1C}">
                 <a14:useLocalDpi xmlns:a14="http://schemas.microsoft.com/office/drawing/2010/main" val="0"/>
